--- a/ProdajaSportskeOpreme.pptx
+++ b/ProdajaSportskeOpreme.pptx
@@ -5,7 +5,7 @@
     <p:sldMasterId id="2147483660" r:id="rId1"/>
   </p:sldMasterIdLst>
   <p:notesMasterIdLst>
-    <p:notesMasterId r:id="rId13"/>
+    <p:notesMasterId r:id="rId17"/>
   </p:notesMasterIdLst>
   <p:sldIdLst>
     <p:sldId id="256" r:id="rId2"/>
@@ -19,6 +19,10 @@
     <p:sldId id="264" r:id="rId10"/>
     <p:sldId id="265" r:id="rId11"/>
     <p:sldId id="266" r:id="rId12"/>
+    <p:sldId id="268" r:id="rId13"/>
+    <p:sldId id="269" r:id="rId14"/>
+    <p:sldId id="270" r:id="rId15"/>
+    <p:sldId id="267" r:id="rId16"/>
   </p:sldIdLst>
   <p:sldSz cx="12192000" cy="6858000"/>
   <p:notesSz cx="6858000" cy="9144000"/>
@@ -117,6 +121,11 @@
       </a:defRPr>
     </a:lvl9pPr>
   </p:defaultTextStyle>
+  <p:extLst>
+    <p:ext uri="{EFAFB233-063F-42B5-8137-9DF3F51BA10A}">
+      <p15:sldGuideLst xmlns:p15="http://schemas.microsoft.com/office/powerpoint/2012/main"/>
+    </p:ext>
+  </p:extLst>
 </p:presentation>
 </file>
 
@@ -202,7 +211,7 @@
           <a:p>
             <a:fld id="{10981559-C3FF-4DBB-9E5A-EACB17810BB7}" type="datetimeFigureOut">
               <a:rPr lang="en-US" smtClean="0"/>
-              <a:t>1/15/2022</a:t>
+              <a:t>15-Jan-22</a:t>
             </a:fld>
             <a:endParaRPr lang="en-US"/>
           </a:p>
@@ -682,7 +691,7 @@
           <a:p>
             <a:fld id="{C9E19954-B872-486D-AEF1-1DDC4822CF19}" type="datetime1">
               <a:rPr lang="en-US" smtClean="0"/>
-              <a:t>1/15/2022</a:t>
+              <a:t>15-Jan-22</a:t>
             </a:fld>
             <a:endParaRPr lang="en-US"/>
           </a:p>
@@ -976,7 +985,7 @@
           <a:p>
             <a:fld id="{E68F37C4-89DF-4DA7-AAC7-1907E53A954A}" type="datetime1">
               <a:rPr lang="en-US" smtClean="0"/>
-              <a:t>1/15/2022</a:t>
+              <a:t>15-Jan-22</a:t>
             </a:fld>
             <a:endParaRPr lang="en-US"/>
           </a:p>
@@ -1238,7 +1247,7 @@
           <a:p>
             <a:fld id="{B2AA9F8C-8DE6-4AD2-AAC3-906D1BF16CF8}" type="datetime1">
               <a:rPr lang="en-US" smtClean="0"/>
-              <a:t>1/15/2022</a:t>
+              <a:t>15-Jan-22</a:t>
             </a:fld>
             <a:endParaRPr lang="en-US"/>
           </a:p>
@@ -1710,7 +1719,7 @@
           <a:p>
             <a:fld id="{DC9017FE-B450-4FCA-BD6F-4F7C6C0F2997}" type="datetime1">
               <a:rPr lang="en-US" smtClean="0"/>
-              <a:t>1/15/2022</a:t>
+              <a:t>15-Jan-22</a:t>
             </a:fld>
             <a:endParaRPr lang="en-US"/>
           </a:p>
@@ -1893,7 +1902,7 @@
           <a:p>
             <a:fld id="{D87DB398-562D-40DC-ACDF-0771EC73F98A}" type="datetime1">
               <a:rPr lang="en-US" smtClean="0"/>
-              <a:t>1/15/2022</a:t>
+              <a:t>15-Jan-22</a:t>
             </a:fld>
             <a:endParaRPr lang="en-US"/>
           </a:p>
@@ -2472,7 +2481,7 @@
           <a:p>
             <a:fld id="{5871A95E-4C78-42A9-B2A1-7D436BA63D29}" type="datetime1">
               <a:rPr lang="en-US" smtClean="0"/>
-              <a:t>1/15/2022</a:t>
+              <a:t>15-Jan-22</a:t>
             </a:fld>
             <a:endParaRPr lang="en-US"/>
           </a:p>
@@ -2807,7 +2816,7 @@
           <a:p>
             <a:fld id="{CDCEDEB3-8B91-4728-9674-EF6E3DBF8393}" type="datetime1">
               <a:rPr lang="en-US" smtClean="0"/>
-              <a:t>1/15/2022</a:t>
+              <a:t>15-Jan-22</a:t>
             </a:fld>
             <a:endParaRPr lang="en-US"/>
           </a:p>
@@ -2985,7 +2994,7 @@
           <a:p>
             <a:fld id="{F3E2B632-7B90-4121-BAD5-EF22CA1B4546}" type="datetime1">
               <a:rPr lang="en-US" smtClean="0"/>
-              <a:t>1/15/2022</a:t>
+              <a:t>15-Jan-22</a:t>
             </a:fld>
             <a:endParaRPr lang="en-US"/>
           </a:p>
@@ -3168,7 +3177,7 @@
           <a:p>
             <a:fld id="{5BEE293D-C36B-43C5-9E6B-DECCC4021C9B}" type="datetime1">
               <a:rPr lang="en-US" smtClean="0"/>
-              <a:t>1/15/2022</a:t>
+              <a:t>15-Jan-22</a:t>
             </a:fld>
             <a:endParaRPr lang="en-US"/>
           </a:p>
@@ -3341,7 +3350,7 @@
           <a:p>
             <a:fld id="{6C5886B6-5440-4483-A964-706E9F34ADCB}" type="datetime1">
               <a:rPr lang="en-US" smtClean="0"/>
-              <a:t>1/15/2022</a:t>
+              <a:t>15-Jan-22</a:t>
             </a:fld>
             <a:endParaRPr lang="en-US"/>
           </a:p>
@@ -3601,7 +3610,7 @@
           <a:p>
             <a:fld id="{A8198851-0B95-4835-B17E-39169AF024AF}" type="datetime1">
               <a:rPr lang="en-US" smtClean="0"/>
-              <a:t>1/15/2022</a:t>
+              <a:t>15-Jan-22</a:t>
             </a:fld>
             <a:endParaRPr lang="en-US"/>
           </a:p>
@@ -3896,7 +3905,7 @@
           <a:p>
             <a:fld id="{5C490D7A-57BF-4CBF-99AF-E0A1161F1CFC}" type="datetime1">
               <a:rPr lang="en-US" smtClean="0"/>
-              <a:t>1/15/2022</a:t>
+              <a:t>15-Jan-22</a:t>
             </a:fld>
             <a:endParaRPr lang="en-US"/>
           </a:p>
@@ -4329,7 +4338,7 @@
           <a:p>
             <a:fld id="{221B0CAC-B064-4CC0-BE51-7F51577E526A}" type="datetime1">
               <a:rPr lang="en-US" smtClean="0"/>
-              <a:t>1/15/2022</a:t>
+              <a:t>15-Jan-22</a:t>
             </a:fld>
             <a:endParaRPr lang="en-US"/>
           </a:p>
@@ -4450,7 +4459,7 @@
           <a:p>
             <a:fld id="{4172C993-93A6-4838-9DBD-108843EB0528}" type="datetime1">
               <a:rPr lang="en-US" smtClean="0"/>
-              <a:t>1/15/2022</a:t>
+              <a:t>15-Jan-22</a:t>
             </a:fld>
             <a:endParaRPr lang="en-US"/>
           </a:p>
@@ -4548,7 +4557,7 @@
           <a:p>
             <a:fld id="{BC07F0B4-147F-4864-B402-93E061CBFF63}" type="datetime1">
               <a:rPr lang="en-US" smtClean="0"/>
-              <a:t>1/15/2022</a:t>
+              <a:t>15-Jan-22</a:t>
             </a:fld>
             <a:endParaRPr lang="en-US"/>
           </a:p>
@@ -4834,7 +4843,7 @@
           <a:p>
             <a:fld id="{E2E01A9B-780C-4E05-A923-54C00F66AF47}" type="datetime1">
               <a:rPr lang="en-US" smtClean="0"/>
-              <a:t>1/15/2022</a:t>
+              <a:t>15-Jan-22</a:t>
             </a:fld>
             <a:endParaRPr lang="en-US"/>
           </a:p>
@@ -5128,7 +5137,7 @@
           <a:p>
             <a:fld id="{E6FCD2C6-930C-49CC-A92E-954FD5F05461}" type="datetime1">
               <a:rPr lang="en-US" smtClean="0"/>
-              <a:t>1/15/2022</a:t>
+              <a:t>15-Jan-22</a:t>
             </a:fld>
             <a:endParaRPr lang="en-US"/>
           </a:p>
@@ -5362,7 +5371,7 @@
           <a:p>
             <a:fld id="{EFE2F06B-E0EB-4449-9E3C-32C4468A92B3}" type="datetime1">
               <a:rPr lang="en-US" smtClean="0"/>
-              <a:t>1/15/2022</a:t>
+              <a:t>15-Jan-22</a:t>
             </a:fld>
             <a:endParaRPr lang="en-US"/>
           </a:p>
@@ -6140,7 +6149,7 @@
           <p:cNvPr id="2" name="Title 1">
             <a:extLst>
               <a:ext uri="{FF2B5EF4-FFF2-40B4-BE49-F238E27FC236}">
-                <a16:creationId xmlns:a16="http://schemas.microsoft.com/office/drawing/2014/main" id="{8A1004D7-6A53-4C7D-B622-BD334F0201F3}"/>
+                <a16:creationId xmlns:a16="http://schemas.microsoft.com/office/drawing/2014/main" xmlns="" id="{8A1004D7-6A53-4C7D-B622-BD334F0201F3}"/>
               </a:ext>
             </a:extLst>
           </p:cNvPr>
@@ -6190,7 +6199,7 @@
           <p:cNvPr id="3" name="Subtitle 2">
             <a:extLst>
               <a:ext uri="{FF2B5EF4-FFF2-40B4-BE49-F238E27FC236}">
-                <a16:creationId xmlns:a16="http://schemas.microsoft.com/office/drawing/2014/main" id="{168FF466-1587-4B1F-B24C-B8C3BEAD78A6}"/>
+                <a16:creationId xmlns:a16="http://schemas.microsoft.com/office/drawing/2014/main" xmlns="" id="{168FF466-1587-4B1F-B24C-B8C3BEAD78A6}"/>
               </a:ext>
             </a:extLst>
           </p:cNvPr>
@@ -6242,7 +6251,7 @@
           <p:cNvPr id="4" name="TextBox 3">
             <a:extLst>
               <a:ext uri="{FF2B5EF4-FFF2-40B4-BE49-F238E27FC236}">
-                <a16:creationId xmlns:a16="http://schemas.microsoft.com/office/drawing/2014/main" id="{A018E26F-1A65-4EF2-8F3C-FB87C17AA09F}"/>
+                <a16:creationId xmlns:a16="http://schemas.microsoft.com/office/drawing/2014/main" xmlns="" id="{A018E26F-1A65-4EF2-8F3C-FB87C17AA09F}"/>
               </a:ext>
             </a:extLst>
           </p:cNvPr>
@@ -6311,7 +6320,7 @@
           <p:cNvPr id="8" name="Picture 7" descr="Logo&#10;&#10;Description automatically generated">
             <a:extLst>
               <a:ext uri="{FF2B5EF4-FFF2-40B4-BE49-F238E27FC236}">
-                <a16:creationId xmlns:a16="http://schemas.microsoft.com/office/drawing/2014/main" id="{C4DAAEA9-2B10-4593-B9B0-11831FFF31D0}"/>
+                <a16:creationId xmlns:a16="http://schemas.microsoft.com/office/drawing/2014/main" xmlns="" id="{C4DAAEA9-2B10-4593-B9B0-11831FFF31D0}"/>
               </a:ext>
             </a:extLst>
           </p:cNvPr>
@@ -6352,6 +6361,13 @@
   <p:clrMapOvr>
     <a:masterClrMapping/>
   </p:clrMapOvr>
+  <p:timing>
+    <p:tnLst>
+      <p:par>
+        <p:cTn id="1" dur="indefinite" restart="never" nodeType="tmRoot"/>
+      </p:par>
+    </p:tnLst>
+  </p:timing>
 </p:sld>
 </file>
 
@@ -6377,7 +6393,7 @@
           <p:cNvPr id="2" name="Title 1">
             <a:extLst>
               <a:ext uri="{FF2B5EF4-FFF2-40B4-BE49-F238E27FC236}">
-                <a16:creationId xmlns:a16="http://schemas.microsoft.com/office/drawing/2014/main" id="{907CE573-DAC8-483D-BE5E-B1E882DE8E57}"/>
+                <a16:creationId xmlns:a16="http://schemas.microsoft.com/office/drawing/2014/main" xmlns="" id="{907CE573-DAC8-483D-BE5E-B1E882DE8E57}"/>
               </a:ext>
             </a:extLst>
           </p:cNvPr>
@@ -6443,7 +6459,7 @@
           <p:cNvPr id="4" name="Footer Placeholder 3">
             <a:extLst>
               <a:ext uri="{FF2B5EF4-FFF2-40B4-BE49-F238E27FC236}">
-                <a16:creationId xmlns:a16="http://schemas.microsoft.com/office/drawing/2014/main" id="{EEE870D8-267E-40CF-B36F-FF05D98082DA}"/>
+                <a16:creationId xmlns:a16="http://schemas.microsoft.com/office/drawing/2014/main" xmlns="" id="{EEE870D8-267E-40CF-B36F-FF05D98082DA}"/>
               </a:ext>
             </a:extLst>
           </p:cNvPr>
@@ -6488,7 +6504,7 @@
           <p:cNvPr id="5" name="Content Placeholder 4">
             <a:extLst>
               <a:ext uri="{FF2B5EF4-FFF2-40B4-BE49-F238E27FC236}">
-                <a16:creationId xmlns:a16="http://schemas.microsoft.com/office/drawing/2014/main" id="{7FAC8559-94B0-4281-A542-71D7350B85F0}"/>
+                <a16:creationId xmlns:a16="http://schemas.microsoft.com/office/drawing/2014/main" xmlns="" id="{7FAC8559-94B0-4281-A542-71D7350B85F0}"/>
               </a:ext>
             </a:extLst>
           </p:cNvPr>
@@ -6526,7 +6542,7 @@
           <p:cNvPr id="9" name="TextBox 8">
             <a:extLst>
               <a:ext uri="{FF2B5EF4-FFF2-40B4-BE49-F238E27FC236}">
-                <a16:creationId xmlns:a16="http://schemas.microsoft.com/office/drawing/2014/main" id="{999381A2-6965-44A8-96BC-B0CF3ED7C5AC}"/>
+                <a16:creationId xmlns:a16="http://schemas.microsoft.com/office/drawing/2014/main" xmlns="" id="{999381A2-6965-44A8-96BC-B0CF3ED7C5AC}"/>
               </a:ext>
             </a:extLst>
           </p:cNvPr>
@@ -6886,6 +6902,13 @@
   <p:clrMapOvr>
     <a:masterClrMapping/>
   </p:clrMapOvr>
+  <p:timing>
+    <p:tnLst>
+      <p:par>
+        <p:cTn id="1" dur="indefinite" restart="never" nodeType="tmRoot"/>
+      </p:par>
+    </p:tnLst>
+  </p:timing>
 </p:sld>
 </file>
 
@@ -6911,7 +6934,7 @@
           <p:cNvPr id="2" name="Title 1">
             <a:extLst>
               <a:ext uri="{FF2B5EF4-FFF2-40B4-BE49-F238E27FC236}">
-                <a16:creationId xmlns:a16="http://schemas.microsoft.com/office/drawing/2014/main" id="{D3B89A57-0799-49AE-9B1C-C8D16D2D3E76}"/>
+                <a16:creationId xmlns:a16="http://schemas.microsoft.com/office/drawing/2014/main" xmlns="" id="{D3B89A57-0799-49AE-9B1C-C8D16D2D3E76}"/>
               </a:ext>
             </a:extLst>
           </p:cNvPr>
@@ -6945,7 +6968,7 @@
           <p:cNvPr id="4" name="Footer Placeholder 3">
             <a:extLst>
               <a:ext uri="{FF2B5EF4-FFF2-40B4-BE49-F238E27FC236}">
-                <a16:creationId xmlns:a16="http://schemas.microsoft.com/office/drawing/2014/main" id="{6E7ADF76-8F36-4EEA-8682-B2376342952E}"/>
+                <a16:creationId xmlns:a16="http://schemas.microsoft.com/office/drawing/2014/main" xmlns="" id="{6E7ADF76-8F36-4EEA-8682-B2376342952E}"/>
               </a:ext>
             </a:extLst>
           </p:cNvPr>
@@ -6973,7 +6996,7 @@
           <p:cNvPr id="5" name="Content Placeholder 4">
             <a:extLst>
               <a:ext uri="{FF2B5EF4-FFF2-40B4-BE49-F238E27FC236}">
-                <a16:creationId xmlns:a16="http://schemas.microsoft.com/office/drawing/2014/main" id="{F5E91FF8-9B55-4D59-AFB3-A289A42580C6}"/>
+                <a16:creationId xmlns:a16="http://schemas.microsoft.com/office/drawing/2014/main" xmlns="" id="{F5E91FF8-9B55-4D59-AFB3-A289A42580C6}"/>
               </a:ext>
             </a:extLst>
           </p:cNvPr>
@@ -7011,7 +7034,7 @@
           <p:cNvPr id="6" name="TextBox 5">
             <a:extLst>
               <a:ext uri="{FF2B5EF4-FFF2-40B4-BE49-F238E27FC236}">
-                <a16:creationId xmlns:a16="http://schemas.microsoft.com/office/drawing/2014/main" id="{787CA440-BFBD-4947-9F16-4C6C4C22CF1D}"/>
+                <a16:creationId xmlns:a16="http://schemas.microsoft.com/office/drawing/2014/main" xmlns="" id="{787CA440-BFBD-4947-9F16-4C6C4C22CF1D}"/>
               </a:ext>
             </a:extLst>
           </p:cNvPr>
@@ -7084,6 +7107,692 @@
   <p:clrMapOvr>
     <a:masterClrMapping/>
   </p:clrMapOvr>
+  <p:timing>
+    <p:tnLst>
+      <p:par>
+        <p:cTn id="1" dur="indefinite" restart="never" nodeType="tmRoot"/>
+      </p:par>
+    </p:tnLst>
+  </p:timing>
+</p:sld>
+</file>
+
+<file path=ppt/slides/slide12.xml><?xml version="1.0" encoding="utf-8"?>
+<p:sld xmlns:a="http://schemas.openxmlformats.org/drawingml/2006/main" xmlns:r="http://schemas.openxmlformats.org/officeDocument/2006/relationships" xmlns:p="http://schemas.openxmlformats.org/presentationml/2006/main">
+  <p:cSld>
+    <p:spTree>
+      <p:nvGrpSpPr>
+        <p:cNvPr id="1" name=""/>
+        <p:cNvGrpSpPr/>
+        <p:nvPr/>
+      </p:nvGrpSpPr>
+      <p:grpSpPr>
+        <a:xfrm>
+          <a:off x="0" y="0"/>
+          <a:ext cx="0" cy="0"/>
+          <a:chOff x="0" y="0"/>
+          <a:chExt cx="0" cy="0"/>
+        </a:xfrm>
+      </p:grpSpPr>
+      <p:pic>
+        <p:nvPicPr>
+          <p:cNvPr id="5" name="Content Placeholder 4"/>
+          <p:cNvPicPr>
+            <a:picLocks noGrp="1" noChangeAspect="1"/>
+          </p:cNvPicPr>
+          <p:nvPr>
+            <p:ph idx="1"/>
+          </p:nvPr>
+        </p:nvPicPr>
+        <p:blipFill>
+          <a:blip r:embed="rId2">
+            <a:extLst>
+              <a:ext uri="{28A0092B-C50C-407E-A947-70E740481C1C}">
+                <a14:useLocalDpi xmlns:a14="http://schemas.microsoft.com/office/drawing/2010/main" val="0"/>
+              </a:ext>
+            </a:extLst>
+          </a:blip>
+          <a:stretch>
+            <a:fillRect/>
+          </a:stretch>
+        </p:blipFill>
+        <p:spPr>
+          <a:xfrm>
+            <a:off x="159137" y="785391"/>
+            <a:ext cx="5220729" cy="2945361"/>
+          </a:xfrm>
+        </p:spPr>
+      </p:pic>
+      <p:sp>
+        <p:nvSpPr>
+          <p:cNvPr id="4" name="Footer Placeholder 3"/>
+          <p:cNvSpPr>
+            <a:spLocks noGrp="1"/>
+          </p:cNvSpPr>
+          <p:nvPr>
+            <p:ph type="ftr" sz="quarter" idx="11"/>
+          </p:nvPr>
+        </p:nvSpPr>
+        <p:spPr/>
+        <p:txBody>
+          <a:bodyPr/>
+          <a:lstStyle/>
+          <a:p>
+            <a:r>
+              <a:rPr lang="en-US" smtClean="0"/>
+              <a:t>Uvod u softversko inzenjerstvo</a:t>
+            </a:r>
+            <a:endParaRPr lang="en-US"/>
+          </a:p>
+        </p:txBody>
+      </p:sp>
+      <p:pic>
+        <p:nvPicPr>
+          <p:cNvPr id="6" name="Picture 5"/>
+          <p:cNvPicPr>
+            <a:picLocks noChangeAspect="1"/>
+          </p:cNvPicPr>
+          <p:nvPr/>
+        </p:nvPicPr>
+        <p:blipFill rotWithShape="1">
+          <a:blip r:embed="rId3">
+            <a:extLst>
+              <a:ext uri="{28A0092B-C50C-407E-A947-70E740481C1C}">
+                <a14:useLocalDpi xmlns:a14="http://schemas.microsoft.com/office/drawing/2010/main" val="0"/>
+              </a:ext>
+            </a:extLst>
+          </a:blip>
+          <a:srcRect b="8941"/>
+          <a:stretch/>
+        </p:blipFill>
+        <p:spPr>
+          <a:xfrm>
+            <a:off x="6398044" y="803066"/>
+            <a:ext cx="5321030" cy="2927686"/>
+          </a:xfrm>
+          <a:prstGeom prst="rect">
+            <a:avLst/>
+          </a:prstGeom>
+        </p:spPr>
+      </p:pic>
+      <p:pic>
+        <p:nvPicPr>
+          <p:cNvPr id="7" name="Picture 6"/>
+          <p:cNvPicPr>
+            <a:picLocks noChangeAspect="1"/>
+          </p:cNvPicPr>
+          <p:nvPr/>
+        </p:nvPicPr>
+        <p:blipFill rotWithShape="1">
+          <a:blip r:embed="rId4">
+            <a:extLst>
+              <a:ext uri="{28A0092B-C50C-407E-A947-70E740481C1C}">
+                <a14:useLocalDpi xmlns:a14="http://schemas.microsoft.com/office/drawing/2010/main" val="0"/>
+              </a:ext>
+            </a:extLst>
+          </a:blip>
+          <a:srcRect t="3267" b="11334"/>
+          <a:stretch/>
+        </p:blipFill>
+        <p:spPr>
+          <a:xfrm>
+            <a:off x="2916936" y="3822192"/>
+            <a:ext cx="5614416" cy="2962656"/>
+          </a:xfrm>
+          <a:prstGeom prst="rect">
+            <a:avLst/>
+          </a:prstGeom>
+        </p:spPr>
+      </p:pic>
+      <p:sp>
+        <p:nvSpPr>
+          <p:cNvPr id="8" name="TextBox 7"/>
+          <p:cNvSpPr txBox="1"/>
+          <p:nvPr/>
+        </p:nvSpPr>
+        <p:spPr>
+          <a:xfrm>
+            <a:off x="4361688" y="319478"/>
+            <a:ext cx="2423160" cy="584775"/>
+          </a:xfrm>
+          <a:prstGeom prst="rect">
+            <a:avLst/>
+          </a:prstGeom>
+          <a:noFill/>
+        </p:spPr>
+        <p:txBody>
+          <a:bodyPr wrap="square" rtlCol="0">
+            <a:spAutoFit/>
+          </a:bodyPr>
+          <a:lstStyle/>
+          <a:p>
+            <a:pPr algn="ctr"/>
+            <a:r>
+              <a:rPr lang="en-US" sz="3200" dirty="0" smtClean="0">
+                <a:effectLst>
+                  <a:outerShdw blurRad="38100" dist="38100" dir="2700000" algn="tl">
+                    <a:srgbClr val="000000">
+                      <a:alpha val="43137"/>
+                    </a:srgbClr>
+                  </a:outerShdw>
+                </a:effectLst>
+                <a:latin typeface="+mj-lt"/>
+              </a:rPr>
+              <a:t>ADMIN</a:t>
+            </a:r>
+            <a:endParaRPr lang="en-US" dirty="0">
+              <a:effectLst>
+                <a:outerShdw blurRad="38100" dist="38100" dir="2700000" algn="tl">
+                  <a:srgbClr val="000000">
+                    <a:alpha val="43137"/>
+                  </a:srgbClr>
+                </a:outerShdw>
+              </a:effectLst>
+              <a:latin typeface="+mj-lt"/>
+            </a:endParaRPr>
+          </a:p>
+        </p:txBody>
+      </p:sp>
+    </p:spTree>
+    <p:extLst>
+      <p:ext uri="{BB962C8B-B14F-4D97-AF65-F5344CB8AC3E}">
+        <p14:creationId xmlns:p14="http://schemas.microsoft.com/office/powerpoint/2010/main" val="3702530642"/>
+      </p:ext>
+    </p:extLst>
+  </p:cSld>
+  <p:clrMapOvr>
+    <a:masterClrMapping/>
+  </p:clrMapOvr>
+  <p:timing>
+    <p:tnLst>
+      <p:par>
+        <p:cTn id="1" dur="indefinite" restart="never" nodeType="tmRoot"/>
+      </p:par>
+    </p:tnLst>
+  </p:timing>
+</p:sld>
+</file>
+
+<file path=ppt/slides/slide13.xml><?xml version="1.0" encoding="utf-8"?>
+<p:sld xmlns:a="http://schemas.openxmlformats.org/drawingml/2006/main" xmlns:r="http://schemas.openxmlformats.org/officeDocument/2006/relationships" xmlns:p="http://schemas.openxmlformats.org/presentationml/2006/main">
+  <p:cSld>
+    <p:spTree>
+      <p:nvGrpSpPr>
+        <p:cNvPr id="1" name=""/>
+        <p:cNvGrpSpPr/>
+        <p:nvPr/>
+      </p:nvGrpSpPr>
+      <p:grpSpPr>
+        <a:xfrm>
+          <a:off x="0" y="0"/>
+          <a:ext cx="0" cy="0"/>
+          <a:chOff x="0" y="0"/>
+          <a:chExt cx="0" cy="0"/>
+        </a:xfrm>
+      </p:grpSpPr>
+      <p:sp>
+        <p:nvSpPr>
+          <p:cNvPr id="2" name="Title 1"/>
+          <p:cNvSpPr>
+            <a:spLocks noGrp="1"/>
+          </p:cNvSpPr>
+          <p:nvPr>
+            <p:ph type="title"/>
+          </p:nvPr>
+        </p:nvSpPr>
+        <p:spPr>
+          <a:xfrm>
+            <a:off x="1141412" y="60960"/>
+            <a:ext cx="9905998" cy="899160"/>
+          </a:xfrm>
+        </p:spPr>
+        <p:txBody>
+          <a:bodyPr/>
+          <a:lstStyle/>
+          <a:p>
+            <a:pPr algn="ctr"/>
+            <a:r>
+              <a:rPr lang="en-US" dirty="0" smtClean="0"/>
+              <a:t>MAGACIONER		</a:t>
+            </a:r>
+            <a:endParaRPr lang="en-US" dirty="0"/>
+          </a:p>
+        </p:txBody>
+      </p:sp>
+      <p:sp>
+        <p:nvSpPr>
+          <p:cNvPr id="4" name="Footer Placeholder 3"/>
+          <p:cNvSpPr>
+            <a:spLocks noGrp="1"/>
+          </p:cNvSpPr>
+          <p:nvPr>
+            <p:ph type="ftr" sz="quarter" idx="11"/>
+          </p:nvPr>
+        </p:nvSpPr>
+        <p:spPr/>
+        <p:txBody>
+          <a:bodyPr/>
+          <a:lstStyle/>
+          <a:p>
+            <a:r>
+              <a:rPr lang="en-US" smtClean="0"/>
+              <a:t>Uvod u softversko inzenjerstvo</a:t>
+            </a:r>
+            <a:endParaRPr lang="en-US"/>
+          </a:p>
+        </p:txBody>
+      </p:sp>
+      <p:pic>
+        <p:nvPicPr>
+          <p:cNvPr id="6" name="Picture 5"/>
+          <p:cNvPicPr>
+            <a:picLocks noChangeAspect="1"/>
+          </p:cNvPicPr>
+          <p:nvPr/>
+        </p:nvPicPr>
+        <p:blipFill>
+          <a:blip r:embed="rId2">
+            <a:extLst>
+              <a:ext uri="{28A0092B-C50C-407E-A947-70E740481C1C}">
+                <a14:useLocalDpi xmlns:a14="http://schemas.microsoft.com/office/drawing/2010/main" val="0"/>
+              </a:ext>
+            </a:extLst>
+          </a:blip>
+          <a:stretch>
+            <a:fillRect/>
+          </a:stretch>
+        </p:blipFill>
+        <p:spPr>
+          <a:xfrm>
+            <a:off x="137160" y="701247"/>
+            <a:ext cx="5047487" cy="2899399"/>
+          </a:xfrm>
+          <a:prstGeom prst="rect">
+            <a:avLst/>
+          </a:prstGeom>
+        </p:spPr>
+      </p:pic>
+      <p:pic>
+        <p:nvPicPr>
+          <p:cNvPr id="9" name="Picture 8"/>
+          <p:cNvPicPr>
+            <a:picLocks noChangeAspect="1"/>
+          </p:cNvPicPr>
+          <p:nvPr/>
+        </p:nvPicPr>
+        <p:blipFill>
+          <a:blip r:embed="rId3">
+            <a:extLst>
+              <a:ext uri="{28A0092B-C50C-407E-A947-70E740481C1C}">
+                <a14:useLocalDpi xmlns:a14="http://schemas.microsoft.com/office/drawing/2010/main" val="0"/>
+              </a:ext>
+            </a:extLst>
+          </a:blip>
+          <a:stretch>
+            <a:fillRect/>
+          </a:stretch>
+        </p:blipFill>
+        <p:spPr>
+          <a:xfrm>
+            <a:off x="7205473" y="657063"/>
+            <a:ext cx="4846189" cy="2906684"/>
+          </a:xfrm>
+          <a:prstGeom prst="rect">
+            <a:avLst/>
+          </a:prstGeom>
+        </p:spPr>
+      </p:pic>
+      <p:pic>
+        <p:nvPicPr>
+          <p:cNvPr id="10" name="Picture 9"/>
+          <p:cNvPicPr>
+            <a:picLocks noChangeAspect="1"/>
+          </p:cNvPicPr>
+          <p:nvPr/>
+        </p:nvPicPr>
+        <p:blipFill rotWithShape="1">
+          <a:blip r:embed="rId4">
+            <a:extLst>
+              <a:ext uri="{28A0092B-C50C-407E-A947-70E740481C1C}">
+                <a14:useLocalDpi xmlns:a14="http://schemas.microsoft.com/office/drawing/2010/main" val="0"/>
+              </a:ext>
+            </a:extLst>
+          </a:blip>
+          <a:srcRect r="16912" b="18239"/>
+          <a:stretch/>
+        </p:blipFill>
+        <p:spPr>
+          <a:xfrm>
+            <a:off x="3029583" y="3637545"/>
+            <a:ext cx="5655629" cy="3130459"/>
+          </a:xfrm>
+          <a:prstGeom prst="rect">
+            <a:avLst/>
+          </a:prstGeom>
+        </p:spPr>
+      </p:pic>
+    </p:spTree>
+    <p:extLst>
+      <p:ext uri="{BB962C8B-B14F-4D97-AF65-F5344CB8AC3E}">
+        <p14:creationId xmlns:p14="http://schemas.microsoft.com/office/powerpoint/2010/main" val="1816839662"/>
+      </p:ext>
+    </p:extLst>
+  </p:cSld>
+  <p:clrMapOvr>
+    <a:masterClrMapping/>
+  </p:clrMapOvr>
+  <p:timing>
+    <p:tnLst>
+      <p:par>
+        <p:cTn id="1" dur="indefinite" restart="never" nodeType="tmRoot"/>
+      </p:par>
+    </p:tnLst>
+  </p:timing>
+</p:sld>
+</file>
+
+<file path=ppt/slides/slide14.xml><?xml version="1.0" encoding="utf-8"?>
+<p:sld xmlns:a="http://schemas.openxmlformats.org/drawingml/2006/main" xmlns:r="http://schemas.openxmlformats.org/officeDocument/2006/relationships" xmlns:p="http://schemas.openxmlformats.org/presentationml/2006/main">
+  <p:cSld>
+    <p:spTree>
+      <p:nvGrpSpPr>
+        <p:cNvPr id="1" name=""/>
+        <p:cNvGrpSpPr/>
+        <p:nvPr/>
+      </p:nvGrpSpPr>
+      <p:grpSpPr>
+        <a:xfrm>
+          <a:off x="0" y="0"/>
+          <a:ext cx="0" cy="0"/>
+          <a:chOff x="0" y="0"/>
+          <a:chExt cx="0" cy="0"/>
+        </a:xfrm>
+      </p:grpSpPr>
+      <p:sp>
+        <p:nvSpPr>
+          <p:cNvPr id="2" name="Title 1"/>
+          <p:cNvSpPr>
+            <a:spLocks noGrp="1"/>
+          </p:cNvSpPr>
+          <p:nvPr>
+            <p:ph type="title"/>
+          </p:nvPr>
+        </p:nvSpPr>
+        <p:spPr>
+          <a:xfrm>
+            <a:off x="1059116" y="91440"/>
+            <a:ext cx="9905999" cy="746124"/>
+          </a:xfrm>
+        </p:spPr>
+        <p:txBody>
+          <a:bodyPr/>
+          <a:lstStyle/>
+          <a:p>
+            <a:pPr algn="ctr"/>
+            <a:r>
+              <a:rPr lang="en-US" dirty="0" smtClean="0"/>
+              <a:t>KURIR</a:t>
+            </a:r>
+            <a:endParaRPr lang="en-US" dirty="0"/>
+          </a:p>
+        </p:txBody>
+      </p:sp>
+      <p:sp>
+        <p:nvSpPr>
+          <p:cNvPr id="4" name="Footer Placeholder 3"/>
+          <p:cNvSpPr>
+            <a:spLocks noGrp="1"/>
+          </p:cNvSpPr>
+          <p:nvPr>
+            <p:ph type="ftr" sz="quarter" idx="11"/>
+          </p:nvPr>
+        </p:nvSpPr>
+        <p:spPr/>
+        <p:txBody>
+          <a:bodyPr/>
+          <a:lstStyle/>
+          <a:p>
+            <a:r>
+              <a:rPr lang="en-US" smtClean="0"/>
+              <a:t>Uvod u softversko inzenjerstvo</a:t>
+            </a:r>
+            <a:endParaRPr lang="en-US"/>
+          </a:p>
+        </p:txBody>
+      </p:sp>
+      <p:pic>
+        <p:nvPicPr>
+          <p:cNvPr id="5" name="Picture 4"/>
+          <p:cNvPicPr>
+            <a:picLocks noChangeAspect="1"/>
+          </p:cNvPicPr>
+          <p:nvPr/>
+        </p:nvPicPr>
+        <p:blipFill rotWithShape="1">
+          <a:blip r:embed="rId2">
+            <a:extLst>
+              <a:ext uri="{28A0092B-C50C-407E-A947-70E740481C1C}">
+                <a14:useLocalDpi xmlns:a14="http://schemas.microsoft.com/office/drawing/2010/main" val="0"/>
+              </a:ext>
+            </a:extLst>
+          </a:blip>
+          <a:srcRect r="15177" b="12781"/>
+          <a:stretch/>
+        </p:blipFill>
+        <p:spPr>
+          <a:xfrm>
+            <a:off x="124587" y="767882"/>
+            <a:ext cx="5027791" cy="2843998"/>
+          </a:xfrm>
+          <a:prstGeom prst="rect">
+            <a:avLst/>
+          </a:prstGeom>
+        </p:spPr>
+      </p:pic>
+      <p:pic>
+        <p:nvPicPr>
+          <p:cNvPr id="6" name="Picture 5"/>
+          <p:cNvPicPr>
+            <a:picLocks noChangeAspect="1"/>
+          </p:cNvPicPr>
+          <p:nvPr/>
+        </p:nvPicPr>
+        <p:blipFill>
+          <a:blip r:embed="rId3">
+            <a:extLst>
+              <a:ext uri="{28A0092B-C50C-407E-A947-70E740481C1C}">
+                <a14:useLocalDpi xmlns:a14="http://schemas.microsoft.com/office/drawing/2010/main" val="0"/>
+              </a:ext>
+            </a:extLst>
+          </a:blip>
+          <a:stretch>
+            <a:fillRect/>
+          </a:stretch>
+        </p:blipFill>
+        <p:spPr>
+          <a:xfrm>
+            <a:off x="6638543" y="740224"/>
+            <a:ext cx="5168175" cy="2871656"/>
+          </a:xfrm>
+          <a:prstGeom prst="rect">
+            <a:avLst/>
+          </a:prstGeom>
+        </p:spPr>
+      </p:pic>
+      <p:pic>
+        <p:nvPicPr>
+          <p:cNvPr id="7" name="Picture 6"/>
+          <p:cNvPicPr>
+            <a:picLocks noChangeAspect="1"/>
+          </p:cNvPicPr>
+          <p:nvPr/>
+        </p:nvPicPr>
+        <p:blipFill rotWithShape="1">
+          <a:blip r:embed="rId4">
+            <a:extLst>
+              <a:ext uri="{28A0092B-C50C-407E-A947-70E740481C1C}">
+                <a14:useLocalDpi xmlns:a14="http://schemas.microsoft.com/office/drawing/2010/main" val="0"/>
+              </a:ext>
+            </a:extLst>
+          </a:blip>
+          <a:srcRect r="17051" b="16300"/>
+          <a:stretch/>
+        </p:blipFill>
+        <p:spPr>
+          <a:xfrm>
+            <a:off x="3154615" y="3675888"/>
+            <a:ext cx="5715000" cy="3243841"/>
+          </a:xfrm>
+          <a:prstGeom prst="rect">
+            <a:avLst/>
+          </a:prstGeom>
+        </p:spPr>
+      </p:pic>
+    </p:spTree>
+    <p:extLst>
+      <p:ext uri="{BB962C8B-B14F-4D97-AF65-F5344CB8AC3E}">
+        <p14:creationId xmlns:p14="http://schemas.microsoft.com/office/powerpoint/2010/main" val="3858299719"/>
+      </p:ext>
+    </p:extLst>
+  </p:cSld>
+  <p:clrMapOvr>
+    <a:masterClrMapping/>
+  </p:clrMapOvr>
+  <p:timing>
+    <p:tnLst>
+      <p:par>
+        <p:cTn id="1" dur="indefinite" restart="never" nodeType="tmRoot"/>
+      </p:par>
+    </p:tnLst>
+  </p:timing>
+</p:sld>
+</file>
+
+<file path=ppt/slides/slide15.xml><?xml version="1.0" encoding="utf-8"?>
+<p:sld xmlns:a="http://schemas.openxmlformats.org/drawingml/2006/main" xmlns:r="http://schemas.openxmlformats.org/officeDocument/2006/relationships" xmlns:p="http://schemas.openxmlformats.org/presentationml/2006/main">
+  <p:cSld>
+    <p:spTree>
+      <p:nvGrpSpPr>
+        <p:cNvPr id="1" name=""/>
+        <p:cNvGrpSpPr/>
+        <p:nvPr/>
+      </p:nvGrpSpPr>
+      <p:grpSpPr>
+        <a:xfrm>
+          <a:off x="0" y="0"/>
+          <a:ext cx="0" cy="0"/>
+          <a:chOff x="0" y="0"/>
+          <a:chExt cx="0" cy="0"/>
+        </a:xfrm>
+      </p:grpSpPr>
+      <p:sp>
+        <p:nvSpPr>
+          <p:cNvPr id="2" name="Title 1"/>
+          <p:cNvSpPr>
+            <a:spLocks noGrp="1"/>
+          </p:cNvSpPr>
+          <p:nvPr>
+            <p:ph type="title"/>
+          </p:nvPr>
+        </p:nvSpPr>
+        <p:spPr/>
+        <p:txBody>
+          <a:bodyPr/>
+          <a:lstStyle/>
+          <a:p>
+            <a:endParaRPr lang="en-US"/>
+          </a:p>
+        </p:txBody>
+      </p:sp>
+      <p:sp>
+        <p:nvSpPr>
+          <p:cNvPr id="3" name="Content Placeholder 2"/>
+          <p:cNvSpPr>
+            <a:spLocks noGrp="1"/>
+          </p:cNvSpPr>
+          <p:nvPr>
+            <p:ph idx="1"/>
+          </p:nvPr>
+        </p:nvSpPr>
+        <p:spPr>
+          <a:xfrm>
+            <a:off x="1141413" y="1834895"/>
+            <a:ext cx="9905998" cy="3124201"/>
+          </a:xfrm>
+        </p:spPr>
+        <p:txBody>
+          <a:bodyPr>
+            <a:normAutofit/>
+          </a:bodyPr>
+          <a:lstStyle/>
+          <a:p>
+            <a:pPr marL="0" indent="0" algn="ctr">
+              <a:buNone/>
+            </a:pPr>
+            <a:r>
+              <a:rPr lang="en-US" sz="8800" b="1" dirty="0" smtClean="0"/>
+              <a:t>HVALA NA PAZNJI</a:t>
+            </a:r>
+            <a:endParaRPr lang="en-US" sz="8800" b="1" dirty="0"/>
+          </a:p>
+        </p:txBody>
+      </p:sp>
+      <p:sp>
+        <p:nvSpPr>
+          <p:cNvPr id="4" name="Footer Placeholder 3"/>
+          <p:cNvSpPr>
+            <a:spLocks noGrp="1"/>
+          </p:cNvSpPr>
+          <p:nvPr>
+            <p:ph type="ftr" sz="quarter" idx="11"/>
+          </p:nvPr>
+        </p:nvSpPr>
+        <p:spPr/>
+        <p:txBody>
+          <a:bodyPr/>
+          <a:lstStyle/>
+          <a:p>
+            <a:r>
+              <a:rPr lang="en-US" dirty="0" err="1" smtClean="0"/>
+              <a:t>Uvod</a:t>
+            </a:r>
+            <a:r>
+              <a:rPr lang="en-US" dirty="0" smtClean="0"/>
+              <a:t> u </a:t>
+            </a:r>
+            <a:r>
+              <a:rPr lang="en-US" dirty="0" err="1" smtClean="0"/>
+              <a:t>softversko</a:t>
+            </a:r>
+            <a:r>
+              <a:rPr lang="en-US" dirty="0" smtClean="0"/>
+              <a:t> </a:t>
+            </a:r>
+            <a:r>
+              <a:rPr lang="en-US" dirty="0" err="1" smtClean="0"/>
+              <a:t>inzenjerstvo</a:t>
+            </a:r>
+            <a:endParaRPr lang="en-US" dirty="0"/>
+          </a:p>
+        </p:txBody>
+      </p:sp>
+    </p:spTree>
+    <p:extLst>
+      <p:ext uri="{BB962C8B-B14F-4D97-AF65-F5344CB8AC3E}">
+        <p14:creationId xmlns:p14="http://schemas.microsoft.com/office/powerpoint/2010/main" val="506093712"/>
+      </p:ext>
+    </p:extLst>
+  </p:cSld>
+  <p:clrMapOvr>
+    <a:masterClrMapping/>
+  </p:clrMapOvr>
+  <p:timing>
+    <p:tnLst>
+      <p:par>
+        <p:cTn id="1" dur="indefinite" restart="never" nodeType="tmRoot"/>
+      </p:par>
+    </p:tnLst>
+  </p:timing>
 </p:sld>
 </file>
 
@@ -7109,7 +7818,7 @@
           <p:cNvPr id="2" name="Title 1">
             <a:extLst>
               <a:ext uri="{FF2B5EF4-FFF2-40B4-BE49-F238E27FC236}">
-                <a16:creationId xmlns:a16="http://schemas.microsoft.com/office/drawing/2014/main" id="{8E8793D9-34D4-45A1-BE3E-B9133EE6C1F0}"/>
+                <a16:creationId xmlns:a16="http://schemas.microsoft.com/office/drawing/2014/main" xmlns="" id="{8E8793D9-34D4-45A1-BE3E-B9133EE6C1F0}"/>
               </a:ext>
             </a:extLst>
           </p:cNvPr>
@@ -7143,7 +7852,7 @@
           <p:cNvPr id="3" name="Content Placeholder 2">
             <a:extLst>
               <a:ext uri="{FF2B5EF4-FFF2-40B4-BE49-F238E27FC236}">
-                <a16:creationId xmlns:a16="http://schemas.microsoft.com/office/drawing/2014/main" id="{C4E73E7B-11CF-4B35-A2A8-A0F06A73CEE6}"/>
+                <a16:creationId xmlns:a16="http://schemas.microsoft.com/office/drawing/2014/main" xmlns="" id="{C4E73E7B-11CF-4B35-A2A8-A0F06A73CEE6}"/>
               </a:ext>
             </a:extLst>
           </p:cNvPr>
@@ -7351,7 +8060,7 @@
           <p:cNvPr id="4" name="Footer Placeholder 3">
             <a:extLst>
               <a:ext uri="{FF2B5EF4-FFF2-40B4-BE49-F238E27FC236}">
-                <a16:creationId xmlns:a16="http://schemas.microsoft.com/office/drawing/2014/main" id="{FF78870B-C72B-4CA5-9B27-8FA9C36157A3}"/>
+                <a16:creationId xmlns:a16="http://schemas.microsoft.com/office/drawing/2014/main" xmlns="" id="{FF78870B-C72B-4CA5-9B27-8FA9C36157A3}"/>
               </a:ext>
             </a:extLst>
           </p:cNvPr>
@@ -7384,6 +8093,13 @@
   <p:clrMapOvr>
     <a:masterClrMapping/>
   </p:clrMapOvr>
+  <p:timing>
+    <p:tnLst>
+      <p:par>
+        <p:cTn id="1" dur="indefinite" restart="never" nodeType="tmRoot"/>
+      </p:par>
+    </p:tnLst>
+  </p:timing>
 </p:sld>
 </file>
 
@@ -7409,7 +8125,7 @@
           <p:cNvPr id="2" name="Title 1">
             <a:extLst>
               <a:ext uri="{FF2B5EF4-FFF2-40B4-BE49-F238E27FC236}">
-                <a16:creationId xmlns:a16="http://schemas.microsoft.com/office/drawing/2014/main" id="{FEAC29BF-EAE8-4523-8314-00BB9AD18F88}"/>
+                <a16:creationId xmlns:a16="http://schemas.microsoft.com/office/drawing/2014/main" xmlns="" id="{FEAC29BF-EAE8-4523-8314-00BB9AD18F88}"/>
               </a:ext>
             </a:extLst>
           </p:cNvPr>
@@ -7454,7 +8170,7 @@
           <p:cNvPr id="3" name="Content Placeholder 2">
             <a:extLst>
               <a:ext uri="{FF2B5EF4-FFF2-40B4-BE49-F238E27FC236}">
-                <a16:creationId xmlns:a16="http://schemas.microsoft.com/office/drawing/2014/main" id="{6EA459CD-97E3-4E94-A529-F3CA0C2ACA92}"/>
+                <a16:creationId xmlns:a16="http://schemas.microsoft.com/office/drawing/2014/main" xmlns="" id="{6EA459CD-97E3-4E94-A529-F3CA0C2ACA92}"/>
               </a:ext>
             </a:extLst>
           </p:cNvPr>
@@ -7499,85 +8215,34 @@
           </a:p>
           <a:p>
             <a:r>
-              <a:rPr lang="en-US" dirty="0" err="1"/>
+              <a:rPr lang="en-US" dirty="0" err="1" smtClean="0"/>
               <a:t>Korisnik</a:t>
             </a:r>
             <a:r>
-              <a:rPr lang="en-US" dirty="0"/>
-              <a:t> (</a:t>
-            </a:r>
-            <a:r>
-              <a:rPr lang="en-US" dirty="0" err="1"/>
-              <a:t>Klijent</a:t>
-            </a:r>
-            <a:r>
-              <a:rPr lang="en-US" dirty="0"/>
-              <a:t>) </a:t>
-            </a:r>
-            <a:r>
-              <a:rPr lang="en-US" dirty="0" err="1"/>
-              <a:t>kreira</a:t>
-            </a:r>
-            <a:r>
-              <a:rPr lang="en-US" dirty="0"/>
-              <a:t> </a:t>
-            </a:r>
-            <a:r>
-              <a:rPr lang="en-US" dirty="0" err="1"/>
-              <a:t>nalog</a:t>
-            </a:r>
-            <a:r>
-              <a:rPr lang="en-US" dirty="0"/>
-              <a:t> (</a:t>
-            </a:r>
-            <a:r>
-              <a:rPr lang="en-US" dirty="0" err="1"/>
-              <a:t>ili</a:t>
-            </a:r>
-            <a:r>
-              <a:rPr lang="en-US" dirty="0"/>
-              <a:t> se </a:t>
-            </a:r>
-            <a:r>
-              <a:rPr lang="en-US" dirty="0" err="1"/>
-              <a:t>uloguje</a:t>
-            </a:r>
-            <a:r>
-              <a:rPr lang="en-US" dirty="0"/>
-              <a:t> </a:t>
-            </a:r>
-            <a:r>
-              <a:rPr lang="en-US" dirty="0" err="1"/>
-              <a:t>ako</a:t>
-            </a:r>
-            <a:r>
-              <a:rPr lang="en-US" dirty="0"/>
-              <a:t> </a:t>
-            </a:r>
-            <a:r>
-              <a:rPr lang="en-US" dirty="0" err="1"/>
-              <a:t>ima</a:t>
-            </a:r>
-            <a:r>
-              <a:rPr lang="en-US" dirty="0"/>
-              <a:t> </a:t>
-            </a:r>
-            <a:r>
-              <a:rPr lang="en-US" dirty="0" err="1"/>
-              <a:t>kreiran</a:t>
-            </a:r>
-            <a:r>
-              <a:rPr lang="en-US" dirty="0"/>
-              <a:t> </a:t>
-            </a:r>
-            <a:r>
-              <a:rPr lang="en-US" dirty="0" err="1"/>
-              <a:t>nalog</a:t>
-            </a:r>
-            <a:r>
-              <a:rPr lang="en-US" dirty="0"/>
-              <a:t>)\</a:t>
-            </a:r>
+              <a:rPr lang="en-US" dirty="0" smtClean="0"/>
+              <a:t> </a:t>
+            </a:r>
+            <a:r>
+              <a:rPr lang="en-US" dirty="0" err="1" smtClean="0"/>
+              <a:t>ulazi</a:t>
+            </a:r>
+            <a:r>
+              <a:rPr lang="en-US" dirty="0" smtClean="0"/>
+              <a:t> </a:t>
+            </a:r>
+            <a:r>
+              <a:rPr lang="en-US" dirty="0" err="1" smtClean="0"/>
+              <a:t>na</a:t>
+            </a:r>
+            <a:r>
+              <a:rPr lang="en-US" dirty="0" smtClean="0"/>
+              <a:t> </a:t>
+            </a:r>
+            <a:r>
+              <a:rPr lang="en-US" dirty="0" err="1" smtClean="0"/>
+              <a:t>sajt</a:t>
+            </a:r>
+            <a:endParaRPr lang="en-US" dirty="0"/>
           </a:p>
           <a:p>
             <a:r>
@@ -7926,7 +8591,7 @@
           <p:cNvPr id="4" name="Footer Placeholder 3">
             <a:extLst>
               <a:ext uri="{FF2B5EF4-FFF2-40B4-BE49-F238E27FC236}">
-                <a16:creationId xmlns:a16="http://schemas.microsoft.com/office/drawing/2014/main" id="{84398FF8-E421-4E51-993E-CE4B75FACDDF}"/>
+                <a16:creationId xmlns:a16="http://schemas.microsoft.com/office/drawing/2014/main" xmlns="" id="{84398FF8-E421-4E51-993E-CE4B75FACDDF}"/>
               </a:ext>
             </a:extLst>
           </p:cNvPr>
@@ -7959,6 +8624,13 @@
   <p:clrMapOvr>
     <a:masterClrMapping/>
   </p:clrMapOvr>
+  <p:timing>
+    <p:tnLst>
+      <p:par>
+        <p:cTn id="1" dur="indefinite" restart="never" nodeType="tmRoot"/>
+      </p:par>
+    </p:tnLst>
+  </p:timing>
 </p:sld>
 </file>
 
@@ -7984,7 +8656,7 @@
           <p:cNvPr id="2" name="Title 1">
             <a:extLst>
               <a:ext uri="{FF2B5EF4-FFF2-40B4-BE49-F238E27FC236}">
-                <a16:creationId xmlns:a16="http://schemas.microsoft.com/office/drawing/2014/main" id="{41DB22B4-5C20-468B-9270-84E35BCF004E}"/>
+                <a16:creationId xmlns:a16="http://schemas.microsoft.com/office/drawing/2014/main" xmlns="" id="{41DB22B4-5C20-468B-9270-84E35BCF004E}"/>
               </a:ext>
             </a:extLst>
           </p:cNvPr>
@@ -8021,7 +8693,7 @@
           <p:cNvPr id="3" name="Content Placeholder 2">
             <a:extLst>
               <a:ext uri="{FF2B5EF4-FFF2-40B4-BE49-F238E27FC236}">
-                <a16:creationId xmlns:a16="http://schemas.microsoft.com/office/drawing/2014/main" id="{4FFD4AF6-C5B5-483B-828E-0B30BF1E2D65}"/>
+                <a16:creationId xmlns:a16="http://schemas.microsoft.com/office/drawing/2014/main" xmlns="" id="{4FFD4AF6-C5B5-483B-828E-0B30BF1E2D65}"/>
               </a:ext>
             </a:extLst>
           </p:cNvPr>
@@ -8112,7 +8784,7 @@
           <p:cNvPr id="4" name="Footer Placeholder 3">
             <a:extLst>
               <a:ext uri="{FF2B5EF4-FFF2-40B4-BE49-F238E27FC236}">
-                <a16:creationId xmlns:a16="http://schemas.microsoft.com/office/drawing/2014/main" id="{E5CAC560-5EED-4C08-89E0-DF7BCDC4AB69}"/>
+                <a16:creationId xmlns:a16="http://schemas.microsoft.com/office/drawing/2014/main" xmlns="" id="{E5CAC560-5EED-4C08-89E0-DF7BCDC4AB69}"/>
               </a:ext>
             </a:extLst>
           </p:cNvPr>
@@ -8145,6 +8817,13 @@
   <p:clrMapOvr>
     <a:masterClrMapping/>
   </p:clrMapOvr>
+  <p:timing>
+    <p:tnLst>
+      <p:par>
+        <p:cTn id="1" dur="indefinite" restart="never" nodeType="tmRoot"/>
+      </p:par>
+    </p:tnLst>
+  </p:timing>
 </p:sld>
 </file>
 
@@ -8170,7 +8849,7 @@
           <p:cNvPr id="2" name="Title 1">
             <a:extLst>
               <a:ext uri="{FF2B5EF4-FFF2-40B4-BE49-F238E27FC236}">
-                <a16:creationId xmlns:a16="http://schemas.microsoft.com/office/drawing/2014/main" id="{9C516111-C709-450D-9AA0-B37ACEE1B070}"/>
+                <a16:creationId xmlns:a16="http://schemas.microsoft.com/office/drawing/2014/main" xmlns="" id="{9C516111-C709-450D-9AA0-B37ACEE1B070}"/>
               </a:ext>
             </a:extLst>
           </p:cNvPr>
@@ -8226,7 +8905,7 @@
           <p:cNvPr id="3" name="Content Placeholder 2">
             <a:extLst>
               <a:ext uri="{FF2B5EF4-FFF2-40B4-BE49-F238E27FC236}">
-                <a16:creationId xmlns:a16="http://schemas.microsoft.com/office/drawing/2014/main" id="{F1E174BF-F627-4353-840D-AA39FCCEE950}"/>
+                <a16:creationId xmlns:a16="http://schemas.microsoft.com/office/drawing/2014/main" xmlns="" id="{F1E174BF-F627-4353-840D-AA39FCCEE950}"/>
               </a:ext>
             </a:extLst>
           </p:cNvPr>
@@ -8265,24 +8944,16 @@
           </a:p>
           <a:p>
             <a:r>
-              <a:rPr lang="en-US" dirty="0" err="1"/>
+              <a:rPr lang="en-US" dirty="0" err="1" smtClean="0"/>
               <a:t>Preduslov</a:t>
             </a:r>
             <a:r>
-              <a:rPr lang="en-US" dirty="0"/>
+              <a:rPr lang="en-US" dirty="0" smtClean="0"/>
               <a:t>: </a:t>
             </a:r>
             <a:r>
-              <a:rPr lang="en-US" dirty="0" err="1"/>
-              <a:t>otvaranje</a:t>
-            </a:r>
-            <a:r>
-              <a:rPr lang="en-US" dirty="0"/>
-              <a:t> </a:t>
-            </a:r>
-            <a:r>
-              <a:rPr lang="en-US" dirty="0" err="1"/>
-              <a:t>sajta</a:t>
+              <a:rPr lang="en-US" dirty="0" err="1" smtClean="0"/>
+              <a:t>Nema</a:t>
             </a:r>
             <a:endParaRPr lang="en-US" dirty="0"/>
           </a:p>
@@ -8325,7 +8996,15 @@
             </a:r>
             <a:r>
               <a:rPr lang="en-US" dirty="0"/>
-              <a:t> I </a:t>
+              <a:t> </a:t>
+            </a:r>
+            <a:r>
+              <a:rPr lang="en-US" dirty="0" err="1" smtClean="0"/>
+              <a:t>i</a:t>
+            </a:r>
+            <a:r>
+              <a:rPr lang="en-US" dirty="0" smtClean="0"/>
+              <a:t> </a:t>
             </a:r>
             <a:r>
               <a:rPr lang="en-US" dirty="0" err="1"/>
@@ -8392,7 +9071,7 @@
           <p:cNvPr id="4" name="Footer Placeholder 3">
             <a:extLst>
               <a:ext uri="{FF2B5EF4-FFF2-40B4-BE49-F238E27FC236}">
-                <a16:creationId xmlns:a16="http://schemas.microsoft.com/office/drawing/2014/main" id="{E1213AE7-F54B-43E8-9D55-4EE061366D53}"/>
+                <a16:creationId xmlns:a16="http://schemas.microsoft.com/office/drawing/2014/main" xmlns="" id="{E1213AE7-F54B-43E8-9D55-4EE061366D53}"/>
               </a:ext>
             </a:extLst>
           </p:cNvPr>
@@ -8425,6 +9104,13 @@
   <p:clrMapOvr>
     <a:masterClrMapping/>
   </p:clrMapOvr>
+  <p:timing>
+    <p:tnLst>
+      <p:par>
+        <p:cTn id="1" dur="indefinite" restart="never" nodeType="tmRoot"/>
+      </p:par>
+    </p:tnLst>
+  </p:timing>
 </p:sld>
 </file>
 
@@ -8450,7 +9136,7 @@
           <p:cNvPr id="2" name="Title 1">
             <a:extLst>
               <a:ext uri="{FF2B5EF4-FFF2-40B4-BE49-F238E27FC236}">
-                <a16:creationId xmlns:a16="http://schemas.microsoft.com/office/drawing/2014/main" id="{C073A5D8-0468-49C7-82B0-F6E13435FBF9}"/>
+                <a16:creationId xmlns:a16="http://schemas.microsoft.com/office/drawing/2014/main" xmlns="" id="{C073A5D8-0468-49C7-82B0-F6E13435FBF9}"/>
               </a:ext>
             </a:extLst>
           </p:cNvPr>
@@ -8506,7 +9192,7 @@
           <p:cNvPr id="3" name="Content Placeholder 2">
             <a:extLst>
               <a:ext uri="{FF2B5EF4-FFF2-40B4-BE49-F238E27FC236}">
-                <a16:creationId xmlns:a16="http://schemas.microsoft.com/office/drawing/2014/main" id="{1BD710DC-6DAC-4FDB-A432-C0AF2DFAC020}"/>
+                <a16:creationId xmlns:a16="http://schemas.microsoft.com/office/drawing/2014/main" xmlns="" id="{1BD710DC-6DAC-4FDB-A432-C0AF2DFAC020}"/>
               </a:ext>
             </a:extLst>
           </p:cNvPr>
@@ -8541,13 +9227,14 @@
               <a:t> </a:t>
             </a:r>
             <a:r>
-              <a:rPr lang="en-US" sz="2000" dirty="0" err="1"/>
-              <a:t>tokovi</a:t>
-            </a:r>
-            <a:r>
-              <a:rPr lang="en-US" sz="2000" dirty="0"/>
+              <a:rPr lang="en-US" sz="2000" dirty="0" err="1" smtClean="0"/>
+              <a:t>tok</a:t>
+            </a:r>
+            <a:r>
+              <a:rPr lang="en-US" sz="2000" dirty="0" smtClean="0"/>
               <a:t>:</a:t>
             </a:r>
+            <a:endParaRPr lang="en-US" sz="2000" dirty="0"/>
           </a:p>
           <a:p>
             <a:pPr marL="342900" indent="-342900">
@@ -8590,18 +9277,18 @@
               <a:buAutoNum type="arabicPeriod"/>
             </a:pPr>
             <a:r>
-              <a:rPr lang="en-US" sz="2000" dirty="0" err="1"/>
+              <a:rPr lang="en-US" sz="2000" dirty="0" err="1" smtClean="0"/>
               <a:t>Razgleda</a:t>
             </a:r>
             <a:r>
-              <a:rPr lang="en-US" sz="2000" dirty="0"/>
-              <a:t> </a:t>
-            </a:r>
-            <a:r>
-              <a:rPr lang="en-US" sz="2000" dirty="0" err="1"/>
+              <a:rPr lang="en-US" sz="2000" dirty="0" smtClean="0"/>
+              <a:t> </a:t>
+            </a:r>
+            <a:r>
+              <a:rPr lang="en-US" sz="2000" dirty="0" err="1" smtClean="0"/>
               <a:t>proizvode</a:t>
             </a:r>
-            <a:endParaRPr lang="en-US" sz="2000" dirty="0"/>
+            <a:endParaRPr lang="en-US" sz="2000" dirty="0" smtClean="0"/>
           </a:p>
           <a:p>
             <a:pPr marL="342900" indent="-342900">
@@ -8609,50 +9296,50 @@
               <a:buAutoNum type="arabicPeriod"/>
             </a:pPr>
             <a:r>
-              <a:rPr lang="en-US" sz="2000" dirty="0" err="1"/>
+              <a:rPr lang="en-US" sz="2000" dirty="0" err="1" smtClean="0"/>
               <a:t>Proizvode</a:t>
             </a:r>
             <a:r>
-              <a:rPr lang="en-US" sz="2000" dirty="0"/>
-              <a:t> </a:t>
-            </a:r>
-            <a:r>
-              <a:rPr lang="en-US" sz="2000" dirty="0" err="1"/>
+              <a:rPr lang="en-US" sz="2000" dirty="0" smtClean="0"/>
+              <a:t> </a:t>
+            </a:r>
+            <a:r>
+              <a:rPr lang="en-US" sz="2000" dirty="0" err="1" smtClean="0"/>
               <a:t>koje</a:t>
             </a:r>
             <a:r>
-              <a:rPr lang="en-US" sz="2000" dirty="0"/>
-              <a:t> </a:t>
-            </a:r>
-            <a:r>
-              <a:rPr lang="en-US" sz="2000" dirty="0" err="1"/>
+              <a:rPr lang="en-US" sz="2000" dirty="0" smtClean="0"/>
+              <a:t> </a:t>
+            </a:r>
+            <a:r>
+              <a:rPr lang="en-US" sz="2000" dirty="0" err="1" smtClean="0"/>
               <a:t>zeli</a:t>
             </a:r>
             <a:r>
-              <a:rPr lang="en-US" sz="2000" dirty="0"/>
+              <a:rPr lang="en-US" sz="2000" dirty="0" smtClean="0"/>
               <a:t> da </a:t>
             </a:r>
             <a:r>
-              <a:rPr lang="en-US" sz="2000" dirty="0" err="1"/>
+              <a:rPr lang="en-US" sz="2000" dirty="0" err="1" smtClean="0"/>
               <a:t>kupi</a:t>
             </a:r>
             <a:r>
-              <a:rPr lang="en-US" sz="2000" dirty="0"/>
-              <a:t> </a:t>
-            </a:r>
-            <a:r>
-              <a:rPr lang="en-US" sz="2000" dirty="0" err="1"/>
+              <a:rPr lang="en-US" sz="2000" dirty="0" smtClean="0"/>
+              <a:t> </a:t>
+            </a:r>
+            <a:r>
+              <a:rPr lang="en-US" sz="2000" dirty="0" err="1" smtClean="0"/>
               <a:t>dodaje</a:t>
             </a:r>
             <a:r>
-              <a:rPr lang="en-US" sz="2000" dirty="0"/>
+              <a:rPr lang="en-US" sz="2000" dirty="0" smtClean="0"/>
               <a:t> u </a:t>
             </a:r>
             <a:r>
-              <a:rPr lang="en-US" sz="2000" dirty="0" err="1"/>
+              <a:rPr lang="en-US" sz="2000" dirty="0" err="1" smtClean="0"/>
               <a:t>korpu</a:t>
             </a:r>
-            <a:endParaRPr lang="en-US" sz="2000" dirty="0"/>
+            <a:endParaRPr lang="en-US" sz="2000" dirty="0" smtClean="0"/>
           </a:p>
           <a:p>
             <a:pPr marL="342900" indent="-342900">
@@ -8660,11 +9347,11 @@
               <a:buAutoNum type="arabicPeriod"/>
             </a:pPr>
             <a:r>
-              <a:rPr lang="en-US" sz="2000" dirty="0" err="1"/>
+              <a:rPr lang="en-US" sz="2000" dirty="0" err="1" smtClean="0"/>
               <a:t>Zavrsava</a:t>
             </a:r>
             <a:r>
-              <a:rPr lang="en-US" sz="2000" dirty="0"/>
+              <a:rPr lang="en-US" sz="2000" dirty="0" smtClean="0"/>
               <a:t> </a:t>
             </a:r>
             <a:r>
@@ -8689,7 +9376,19 @@
             </a:r>
             <a:r>
               <a:rPr lang="en-US" sz="2000" dirty="0"/>
-              <a:t> I ide </a:t>
+              <a:t> </a:t>
+            </a:r>
+            <a:r>
+              <a:rPr lang="en-US" sz="2000" dirty="0" err="1" smtClean="0"/>
+              <a:t>i</a:t>
+            </a:r>
+            <a:r>
+              <a:rPr lang="en-US" sz="2000" dirty="0" smtClean="0"/>
+              <a:t> </a:t>
+            </a:r>
+            <a:r>
+              <a:rPr lang="en-US" sz="2000" dirty="0"/>
+              <a:t>ide </a:t>
             </a:r>
             <a:r>
               <a:rPr lang="en-US" sz="2000" dirty="0" err="1"/>
@@ -8784,7 +9483,7 @@
           <p:cNvPr id="4" name="Footer Placeholder 3">
             <a:extLst>
               <a:ext uri="{FF2B5EF4-FFF2-40B4-BE49-F238E27FC236}">
-                <a16:creationId xmlns:a16="http://schemas.microsoft.com/office/drawing/2014/main" id="{7D629F67-9CED-46CF-BA77-17765C9BB4BF}"/>
+                <a16:creationId xmlns:a16="http://schemas.microsoft.com/office/drawing/2014/main" xmlns="" id="{7D629F67-9CED-46CF-BA77-17765C9BB4BF}"/>
               </a:ext>
             </a:extLst>
           </p:cNvPr>
@@ -8834,6 +9533,13 @@
   <p:clrMapOvr>
     <a:masterClrMapping/>
   </p:clrMapOvr>
+  <p:timing>
+    <p:tnLst>
+      <p:par>
+        <p:cTn id="1" dur="indefinite" restart="never" nodeType="tmRoot"/>
+      </p:par>
+    </p:tnLst>
+  </p:timing>
 </p:sld>
 </file>
 
@@ -8859,7 +9565,7 @@
           <p:cNvPr id="2" name="Title 1">
             <a:extLst>
               <a:ext uri="{FF2B5EF4-FFF2-40B4-BE49-F238E27FC236}">
-                <a16:creationId xmlns:a16="http://schemas.microsoft.com/office/drawing/2014/main" id="{23A9B7EF-0CCE-4FB6-B098-BB8384AA7CD5}"/>
+                <a16:creationId xmlns:a16="http://schemas.microsoft.com/office/drawing/2014/main" xmlns="" id="{23A9B7EF-0CCE-4FB6-B098-BB8384AA7CD5}"/>
               </a:ext>
             </a:extLst>
           </p:cNvPr>
@@ -8915,7 +9621,7 @@
           <p:cNvPr id="3" name="Content Placeholder 2">
             <a:extLst>
               <a:ext uri="{FF2B5EF4-FFF2-40B4-BE49-F238E27FC236}">
-                <a16:creationId xmlns:a16="http://schemas.microsoft.com/office/drawing/2014/main" id="{7B2AA71A-7DB4-477B-A5A0-EAE961CEB229}"/>
+                <a16:creationId xmlns:a16="http://schemas.microsoft.com/office/drawing/2014/main" xmlns="" id="{7B2AA71A-7DB4-477B-A5A0-EAE961CEB229}"/>
               </a:ext>
             </a:extLst>
           </p:cNvPr>
@@ -8928,7 +9634,9 @@
         </p:nvSpPr>
         <p:spPr/>
         <p:txBody>
-          <a:bodyPr/>
+          <a:bodyPr>
+            <a:normAutofit/>
+          </a:bodyPr>
           <a:lstStyle/>
           <a:p>
             <a:pPr marL="0" indent="0">
@@ -8964,25 +9672,25 @@
               </a:spcAft>
             </a:pPr>
             <a:r>
-              <a:rPr lang="en-GB" dirty="0">
+              <a:rPr lang="en-GB" dirty="0" smtClean="0">
                 <a:effectLst/>
                 <a:latin typeface="Calibri" panose="020F0502020204030204" pitchFamily="34" charset="0"/>
                 <a:ea typeface="Calibri" panose="020F0502020204030204" pitchFamily="34" charset="0"/>
                 <a:cs typeface="Times New Roman" panose="02020603050405020304" pitchFamily="18" charset="0"/>
               </a:rPr>
-              <a:t>3.1 </a:t>
-            </a:r>
-            <a:r>
-              <a:rPr lang="en-GB" dirty="0" err="1">
+              <a:t>3A. </a:t>
+            </a:r>
+            <a:r>
+              <a:rPr lang="en-GB" dirty="0" err="1" smtClean="0">
                 <a:effectLst/>
                 <a:latin typeface="Calibri" panose="020F0502020204030204" pitchFamily="34" charset="0"/>
                 <a:ea typeface="Calibri" panose="020F0502020204030204" pitchFamily="34" charset="0"/>
                 <a:cs typeface="Times New Roman" panose="02020603050405020304" pitchFamily="18" charset="0"/>
               </a:rPr>
-              <a:t>Kupac</a:t>
-            </a:r>
-            <a:r>
-              <a:rPr lang="en-GB" dirty="0">
+              <a:t>Korisnik</a:t>
+            </a:r>
+            <a:r>
+              <a:rPr lang="en-GB" dirty="0" smtClean="0">
                 <a:effectLst/>
                 <a:latin typeface="Calibri" panose="020F0502020204030204" pitchFamily="34" charset="0"/>
                 <a:ea typeface="Calibri" panose="020F0502020204030204" pitchFamily="34" charset="0"/>
@@ -8991,16 +9699,16 @@
               <a:t> </a:t>
             </a:r>
             <a:r>
-              <a:rPr lang="en-GB" dirty="0" err="1">
+              <a:rPr lang="en-GB" dirty="0" err="1" smtClean="0">
                 <a:effectLst/>
                 <a:latin typeface="Calibri" panose="020F0502020204030204" pitchFamily="34" charset="0"/>
                 <a:ea typeface="Calibri" panose="020F0502020204030204" pitchFamily="34" charset="0"/>
                 <a:cs typeface="Times New Roman" panose="02020603050405020304" pitchFamily="18" charset="0"/>
               </a:rPr>
-              <a:t>nije</a:t>
-            </a:r>
-            <a:r>
-              <a:rPr lang="en-GB" dirty="0">
+              <a:t>nema</a:t>
+            </a:r>
+            <a:r>
+              <a:rPr lang="en-GB" dirty="0" smtClean="0">
                 <a:effectLst/>
                 <a:latin typeface="Calibri" panose="020F0502020204030204" pitchFamily="34" charset="0"/>
                 <a:ea typeface="Calibri" panose="020F0502020204030204" pitchFamily="34" charset="0"/>
@@ -9009,16 +9717,16 @@
               <a:t> </a:t>
             </a:r>
             <a:r>
-              <a:rPr lang="en-GB" dirty="0" err="1">
+              <a:rPr lang="en-GB" dirty="0" err="1" smtClean="0">
                 <a:effectLst/>
                 <a:latin typeface="Calibri" panose="020F0502020204030204" pitchFamily="34" charset="0"/>
                 <a:ea typeface="Calibri" panose="020F0502020204030204" pitchFamily="34" charset="0"/>
                 <a:cs typeface="Times New Roman" panose="02020603050405020304" pitchFamily="18" charset="0"/>
               </a:rPr>
-              <a:t>našao</a:t>
-            </a:r>
-            <a:r>
-              <a:rPr lang="en-GB" dirty="0">
+              <a:t>dovoljno</a:t>
+            </a:r>
+            <a:r>
+              <a:rPr lang="en-GB" dirty="0" smtClean="0">
                 <a:effectLst/>
                 <a:latin typeface="Calibri" panose="020F0502020204030204" pitchFamily="34" charset="0"/>
                 <a:ea typeface="Calibri" panose="020F0502020204030204" pitchFamily="34" charset="0"/>
@@ -9027,16 +9735,16 @@
               <a:t> </a:t>
             </a:r>
             <a:r>
-              <a:rPr lang="en-GB" dirty="0" err="1">
+              <a:rPr lang="en-GB" dirty="0" err="1" smtClean="0">
                 <a:effectLst/>
                 <a:latin typeface="Calibri" panose="020F0502020204030204" pitchFamily="34" charset="0"/>
                 <a:ea typeface="Calibri" panose="020F0502020204030204" pitchFamily="34" charset="0"/>
                 <a:cs typeface="Times New Roman" panose="02020603050405020304" pitchFamily="18" charset="0"/>
               </a:rPr>
-              <a:t>odgovarajuće</a:t>
-            </a:r>
-            <a:r>
-              <a:rPr lang="en-GB" dirty="0">
+              <a:t>novca</a:t>
+            </a:r>
+            <a:r>
+              <a:rPr lang="en-GB" dirty="0" smtClean="0">
                 <a:effectLst/>
                 <a:latin typeface="Calibri" panose="020F0502020204030204" pitchFamily="34" charset="0"/>
                 <a:ea typeface="Calibri" panose="020F0502020204030204" pitchFamily="34" charset="0"/>
@@ -9045,15 +9753,33 @@
               <a:t> </a:t>
             </a:r>
             <a:r>
-              <a:rPr lang="en-GB" dirty="0" err="1">
+              <a:rPr lang="en-GB" dirty="0" err="1" smtClean="0">
                 <a:effectLst/>
                 <a:latin typeface="Calibri" panose="020F0502020204030204" pitchFamily="34" charset="0"/>
                 <a:ea typeface="Calibri" panose="020F0502020204030204" pitchFamily="34" charset="0"/>
                 <a:cs typeface="Times New Roman" panose="02020603050405020304" pitchFamily="18" charset="0"/>
               </a:rPr>
-              <a:t>proizvode</a:t>
-            </a:r>
-            <a:endParaRPr lang="en-US" dirty="0">
+              <a:t>na</a:t>
+            </a:r>
+            <a:r>
+              <a:rPr lang="en-GB" dirty="0" smtClean="0">
+                <a:effectLst/>
+                <a:latin typeface="Calibri" panose="020F0502020204030204" pitchFamily="34" charset="0"/>
+                <a:ea typeface="Calibri" panose="020F0502020204030204" pitchFamily="34" charset="0"/>
+                <a:cs typeface="Times New Roman" panose="02020603050405020304" pitchFamily="18" charset="0"/>
+              </a:rPr>
+              <a:t> </a:t>
+            </a:r>
+            <a:r>
+              <a:rPr lang="en-GB" dirty="0" err="1" smtClean="0">
+                <a:effectLst/>
+                <a:latin typeface="Calibri" panose="020F0502020204030204" pitchFamily="34" charset="0"/>
+                <a:ea typeface="Calibri" panose="020F0502020204030204" pitchFamily="34" charset="0"/>
+                <a:cs typeface="Times New Roman" panose="02020603050405020304" pitchFamily="18" charset="0"/>
+              </a:rPr>
+              <a:t>racunu</a:t>
+            </a:r>
+            <a:endParaRPr lang="en-GB" dirty="0" smtClean="0">
               <a:effectLst/>
               <a:latin typeface="Calibri" panose="020F0502020204030204" pitchFamily="34" charset="0"/>
               <a:ea typeface="Calibri" panose="020F0502020204030204" pitchFamily="34" charset="0"/>
@@ -9061,7 +9787,7 @@
             </a:endParaRPr>
           </a:p>
           <a:p>
-            <a:pPr marL="457200" marR="0">
+            <a:pPr marL="914400" lvl="1">
               <a:lnSpc>
                 <a:spcPct val="107000"/>
               </a:lnSpc>
@@ -9073,25 +9799,25 @@
               </a:spcAft>
             </a:pPr>
             <a:r>
-              <a:rPr lang="en-GB" dirty="0">
+              <a:rPr lang="en-GB" dirty="0" smtClean="0">
                 <a:effectLst/>
                 <a:latin typeface="Calibri" panose="020F0502020204030204" pitchFamily="34" charset="0"/>
                 <a:ea typeface="Calibri" panose="020F0502020204030204" pitchFamily="34" charset="0"/>
                 <a:cs typeface="Times New Roman" panose="02020603050405020304" pitchFamily="18" charset="0"/>
               </a:rPr>
-              <a:t>3.2 </a:t>
-            </a:r>
-            <a:r>
-              <a:rPr lang="en-GB" dirty="0" err="1">
+              <a:t>1A </a:t>
+            </a:r>
+            <a:r>
+              <a:rPr lang="en-GB" dirty="0" err="1" smtClean="0">
                 <a:effectLst/>
                 <a:latin typeface="Calibri" panose="020F0502020204030204" pitchFamily="34" charset="0"/>
                 <a:ea typeface="Calibri" panose="020F0502020204030204" pitchFamily="34" charset="0"/>
                 <a:cs typeface="Times New Roman" panose="02020603050405020304" pitchFamily="18" charset="0"/>
               </a:rPr>
-              <a:t>Kupac</a:t>
-            </a:r>
-            <a:r>
-              <a:rPr lang="en-GB" dirty="0">
+              <a:t>Korisnik</a:t>
+            </a:r>
+            <a:r>
+              <a:rPr lang="en-GB" dirty="0" smtClean="0">
                 <a:effectLst/>
                 <a:latin typeface="Calibri" panose="020F0502020204030204" pitchFamily="34" charset="0"/>
                 <a:ea typeface="Calibri" panose="020F0502020204030204" pitchFamily="34" charset="0"/>
@@ -9100,7 +9826,133 @@
               <a:t> </a:t>
             </a:r>
             <a:r>
-              <a:rPr lang="en-GB" dirty="0" err="1">
+              <a:rPr lang="en-GB" dirty="0" err="1" smtClean="0">
+                <a:effectLst/>
+                <a:latin typeface="Calibri" panose="020F0502020204030204" pitchFamily="34" charset="0"/>
+                <a:ea typeface="Calibri" panose="020F0502020204030204" pitchFamily="34" charset="0"/>
+                <a:cs typeface="Times New Roman" panose="02020603050405020304" pitchFamily="18" charset="0"/>
+              </a:rPr>
+              <a:t>bira</a:t>
+            </a:r>
+            <a:r>
+              <a:rPr lang="en-GB" dirty="0" smtClean="0">
+                <a:effectLst/>
+                <a:latin typeface="Calibri" panose="020F0502020204030204" pitchFamily="34" charset="0"/>
+                <a:ea typeface="Calibri" panose="020F0502020204030204" pitchFamily="34" charset="0"/>
+                <a:cs typeface="Times New Roman" panose="02020603050405020304" pitchFamily="18" charset="0"/>
+              </a:rPr>
+              <a:t> </a:t>
+            </a:r>
+            <a:r>
+              <a:rPr lang="en-GB" dirty="0" err="1" smtClean="0">
+                <a:effectLst/>
+                <a:latin typeface="Calibri" panose="020F0502020204030204" pitchFamily="34" charset="0"/>
+                <a:ea typeface="Calibri" panose="020F0502020204030204" pitchFamily="34" charset="0"/>
+                <a:cs typeface="Times New Roman" panose="02020603050405020304" pitchFamily="18" charset="0"/>
+              </a:rPr>
+              <a:t>placanje</a:t>
+            </a:r>
+            <a:r>
+              <a:rPr lang="en-GB" dirty="0" smtClean="0">
+                <a:effectLst/>
+                <a:latin typeface="Calibri" panose="020F0502020204030204" pitchFamily="34" charset="0"/>
+                <a:ea typeface="Calibri" panose="020F0502020204030204" pitchFamily="34" charset="0"/>
+                <a:cs typeface="Times New Roman" panose="02020603050405020304" pitchFamily="18" charset="0"/>
+              </a:rPr>
+              <a:t> </a:t>
+            </a:r>
+            <a:r>
+              <a:rPr lang="en-GB" dirty="0" err="1" smtClean="0">
+                <a:effectLst/>
+                <a:latin typeface="Calibri" panose="020F0502020204030204" pitchFamily="34" charset="0"/>
+                <a:ea typeface="Calibri" panose="020F0502020204030204" pitchFamily="34" charset="0"/>
+                <a:cs typeface="Times New Roman" panose="02020603050405020304" pitchFamily="18" charset="0"/>
+              </a:rPr>
+              <a:t>pouzecu</a:t>
+            </a:r>
+            <a:r>
+              <a:rPr lang="en-GB" dirty="0" smtClean="0">
+                <a:effectLst/>
+                <a:latin typeface="Calibri" panose="020F0502020204030204" pitchFamily="34" charset="0"/>
+                <a:ea typeface="Calibri" panose="020F0502020204030204" pitchFamily="34" charset="0"/>
+                <a:cs typeface="Times New Roman" panose="02020603050405020304" pitchFamily="18" charset="0"/>
+              </a:rPr>
+              <a:t> </a:t>
+            </a:r>
+            <a:r>
+              <a:rPr lang="en-GB" dirty="0" err="1" smtClean="0">
+                <a:effectLst/>
+                <a:latin typeface="Calibri" panose="020F0502020204030204" pitchFamily="34" charset="0"/>
+                <a:ea typeface="Calibri" panose="020F0502020204030204" pitchFamily="34" charset="0"/>
+                <a:cs typeface="Times New Roman" panose="02020603050405020304" pitchFamily="18" charset="0"/>
+              </a:rPr>
+              <a:t>i</a:t>
+            </a:r>
+            <a:r>
+              <a:rPr lang="en-GB" dirty="0" smtClean="0">
+                <a:effectLst/>
+                <a:latin typeface="Calibri" panose="020F0502020204030204" pitchFamily="34" charset="0"/>
+                <a:ea typeface="Calibri" panose="020F0502020204030204" pitchFamily="34" charset="0"/>
+                <a:cs typeface="Times New Roman" panose="02020603050405020304" pitchFamily="18" charset="0"/>
+              </a:rPr>
+              <a:t> </a:t>
+            </a:r>
+            <a:r>
+              <a:rPr lang="en-GB" dirty="0" err="1" smtClean="0">
+                <a:effectLst/>
+                <a:latin typeface="Calibri" panose="020F0502020204030204" pitchFamily="34" charset="0"/>
+                <a:ea typeface="Calibri" panose="020F0502020204030204" pitchFamily="34" charset="0"/>
+                <a:cs typeface="Times New Roman" panose="02020603050405020304" pitchFamily="18" charset="0"/>
+              </a:rPr>
+              <a:t>salje</a:t>
+            </a:r>
+            <a:r>
+              <a:rPr lang="en-GB" dirty="0" smtClean="0">
+                <a:effectLst/>
+                <a:latin typeface="Calibri" panose="020F0502020204030204" pitchFamily="34" charset="0"/>
+                <a:ea typeface="Calibri" panose="020F0502020204030204" pitchFamily="34" charset="0"/>
+                <a:cs typeface="Times New Roman" panose="02020603050405020304" pitchFamily="18" charset="0"/>
+              </a:rPr>
+              <a:t> </a:t>
+            </a:r>
+            <a:r>
+              <a:rPr lang="en-GB" dirty="0" err="1" smtClean="0">
+                <a:effectLst/>
+                <a:latin typeface="Calibri" panose="020F0502020204030204" pitchFamily="34" charset="0"/>
+                <a:ea typeface="Calibri" panose="020F0502020204030204" pitchFamily="34" charset="0"/>
+                <a:cs typeface="Times New Roman" panose="02020603050405020304" pitchFamily="18" charset="0"/>
+              </a:rPr>
+              <a:t>narudzbinu</a:t>
+            </a:r>
+            <a:r>
+              <a:rPr lang="en-GB" dirty="0" smtClean="0">
+                <a:effectLst/>
+                <a:latin typeface="Calibri" panose="020F0502020204030204" pitchFamily="34" charset="0"/>
+                <a:ea typeface="Calibri" panose="020F0502020204030204" pitchFamily="34" charset="0"/>
+                <a:cs typeface="Times New Roman" panose="02020603050405020304" pitchFamily="18" charset="0"/>
+              </a:rPr>
+              <a:t> </a:t>
+            </a:r>
+            <a:r>
+              <a:rPr lang="en-GB" dirty="0" err="1" smtClean="0">
+                <a:effectLst/>
+                <a:latin typeface="Calibri" panose="020F0502020204030204" pitchFamily="34" charset="0"/>
+                <a:ea typeface="Calibri" panose="020F0502020204030204" pitchFamily="34" charset="0"/>
+                <a:cs typeface="Times New Roman" panose="02020603050405020304" pitchFamily="18" charset="0"/>
+              </a:rPr>
+              <a:t>ili</a:t>
+            </a:r>
+            <a:r>
+              <a:rPr lang="en-GB" dirty="0" smtClean="0">
+                <a:effectLst/>
+                <a:latin typeface="Calibri" panose="020F0502020204030204" pitchFamily="34" charset="0"/>
+                <a:ea typeface="Calibri" panose="020F0502020204030204" pitchFamily="34" charset="0"/>
+                <a:cs typeface="Times New Roman" panose="02020603050405020304" pitchFamily="18" charset="0"/>
+              </a:rPr>
+              <a:t> </a:t>
+            </a:r>
+            <a:r>
+              <a:rPr lang="en-GB" dirty="0" err="1" smtClean="0">
                 <a:effectLst/>
                 <a:latin typeface="Calibri" panose="020F0502020204030204" pitchFamily="34" charset="0"/>
                 <a:ea typeface="Calibri" panose="020F0502020204030204" pitchFamily="34" charset="0"/>
@@ -9109,7 +9961,7 @@
               <a:t>odustaje</a:t>
             </a:r>
             <a:r>
-              <a:rPr lang="en-GB" dirty="0">
+              <a:rPr lang="en-GB" dirty="0" smtClean="0">
                 <a:effectLst/>
                 <a:latin typeface="Calibri" panose="020F0502020204030204" pitchFamily="34" charset="0"/>
                 <a:ea typeface="Calibri" panose="020F0502020204030204" pitchFamily="34" charset="0"/>
@@ -9118,7 +9970,7 @@
               <a:t> od </a:t>
             </a:r>
             <a:r>
-              <a:rPr lang="en-GB" dirty="0" err="1">
+              <a:rPr lang="en-GB" dirty="0" err="1" smtClean="0">
                 <a:effectLst/>
                 <a:latin typeface="Calibri" panose="020F0502020204030204" pitchFamily="34" charset="0"/>
                 <a:ea typeface="Calibri" panose="020F0502020204030204" pitchFamily="34" charset="0"/>
@@ -9126,15 +9978,18 @@
               </a:rPr>
               <a:t>kupovine</a:t>
             </a:r>
-            <a:endParaRPr lang="en-US" dirty="0">
-              <a:effectLst/>
-              <a:latin typeface="Calibri" panose="020F0502020204030204" pitchFamily="34" charset="0"/>
-              <a:ea typeface="Calibri" panose="020F0502020204030204" pitchFamily="34" charset="0"/>
-              <a:cs typeface="Times New Roman" panose="02020603050405020304" pitchFamily="18" charset="0"/>
-            </a:endParaRPr>
-          </a:p>
-          <a:p>
-            <a:pPr marL="457200" marR="0">
+            <a:r>
+              <a:rPr lang="en-GB" dirty="0" smtClean="0">
+                <a:effectLst/>
+                <a:latin typeface="Calibri" panose="020F0502020204030204" pitchFamily="34" charset="0"/>
+                <a:ea typeface="Calibri" panose="020F0502020204030204" pitchFamily="34" charset="0"/>
+                <a:cs typeface="Times New Roman" panose="02020603050405020304" pitchFamily="18" charset="0"/>
+              </a:rPr>
+              <a:t> </a:t>
+            </a:r>
+          </a:p>
+          <a:p>
+            <a:pPr marL="914400" lvl="1">
               <a:lnSpc>
                 <a:spcPct val="107000"/>
               </a:lnSpc>
@@ -9146,25 +10001,25 @@
               </a:spcAft>
             </a:pPr>
             <a:r>
-              <a:rPr lang="en-GB" dirty="0">
+              <a:rPr lang="en-GB" dirty="0" smtClean="0">
                 <a:effectLst/>
                 <a:latin typeface="Calibri" panose="020F0502020204030204" pitchFamily="34" charset="0"/>
                 <a:ea typeface="Calibri" panose="020F0502020204030204" pitchFamily="34" charset="0"/>
                 <a:cs typeface="Times New Roman" panose="02020603050405020304" pitchFamily="18" charset="0"/>
               </a:rPr>
-              <a:t>3.3 </a:t>
-            </a:r>
-            <a:r>
-              <a:rPr lang="en-GB" dirty="0" err="1">
+              <a:t>1B </a:t>
+            </a:r>
+            <a:r>
+              <a:rPr lang="en-GB" dirty="0" err="1" smtClean="0">
                 <a:effectLst/>
                 <a:latin typeface="Calibri" panose="020F0502020204030204" pitchFamily="34" charset="0"/>
                 <a:ea typeface="Calibri" panose="020F0502020204030204" pitchFamily="34" charset="0"/>
                 <a:cs typeface="Times New Roman" panose="02020603050405020304" pitchFamily="18" charset="0"/>
               </a:rPr>
-              <a:t>Nema</a:t>
-            </a:r>
-            <a:r>
-              <a:rPr lang="en-GB" dirty="0">
+              <a:t>Korisnik</a:t>
+            </a:r>
+            <a:r>
+              <a:rPr lang="en-GB" dirty="0" smtClean="0">
                 <a:effectLst/>
                 <a:latin typeface="Calibri" panose="020F0502020204030204" pitchFamily="34" charset="0"/>
                 <a:ea typeface="Calibri" panose="020F0502020204030204" pitchFamily="34" charset="0"/>
@@ -9173,168 +10028,33 @@
               <a:t> </a:t>
             </a:r>
             <a:r>
-              <a:rPr lang="en-GB" dirty="0" err="1">
+              <a:rPr lang="en-GB" dirty="0" err="1" smtClean="0">
                 <a:effectLst/>
                 <a:latin typeface="Calibri" panose="020F0502020204030204" pitchFamily="34" charset="0"/>
                 <a:ea typeface="Calibri" panose="020F0502020204030204" pitchFamily="34" charset="0"/>
                 <a:cs typeface="Times New Roman" panose="02020603050405020304" pitchFamily="18" charset="0"/>
               </a:rPr>
-              <a:t>dovoljno</a:t>
-            </a:r>
-            <a:r>
-              <a:rPr lang="en-GB" dirty="0">
+              <a:t>odustaje</a:t>
+            </a:r>
+            <a:r>
+              <a:rPr lang="en-GB" dirty="0" smtClean="0">
                 <a:effectLst/>
                 <a:latin typeface="Calibri" panose="020F0502020204030204" pitchFamily="34" charset="0"/>
                 <a:ea typeface="Calibri" panose="020F0502020204030204" pitchFamily="34" charset="0"/>
                 <a:cs typeface="Times New Roman" panose="02020603050405020304" pitchFamily="18" charset="0"/>
               </a:rPr>
-              <a:t> </a:t>
-            </a:r>
-            <a:r>
-              <a:rPr lang="en-GB" dirty="0" err="1">
+              <a:t> od </a:t>
+            </a:r>
+            <a:r>
+              <a:rPr lang="en-GB" dirty="0" err="1" smtClean="0">
                 <a:effectLst/>
                 <a:latin typeface="Calibri" panose="020F0502020204030204" pitchFamily="34" charset="0"/>
                 <a:ea typeface="Calibri" panose="020F0502020204030204" pitchFamily="34" charset="0"/>
                 <a:cs typeface="Times New Roman" panose="02020603050405020304" pitchFamily="18" charset="0"/>
               </a:rPr>
-              <a:t>sredstava</a:t>
-            </a:r>
-            <a:r>
-              <a:rPr lang="en-GB" dirty="0">
-                <a:effectLst/>
-                <a:latin typeface="Calibri" panose="020F0502020204030204" pitchFamily="34" charset="0"/>
-                <a:ea typeface="Calibri" panose="020F0502020204030204" pitchFamily="34" charset="0"/>
-                <a:cs typeface="Times New Roman" panose="02020603050405020304" pitchFamily="18" charset="0"/>
-              </a:rPr>
-              <a:t> </a:t>
-            </a:r>
-            <a:r>
-              <a:rPr lang="en-GB" dirty="0" err="1">
-                <a:effectLst/>
-                <a:latin typeface="Calibri" panose="020F0502020204030204" pitchFamily="34" charset="0"/>
-                <a:ea typeface="Calibri" panose="020F0502020204030204" pitchFamily="34" charset="0"/>
-                <a:cs typeface="Times New Roman" panose="02020603050405020304" pitchFamily="18" charset="0"/>
-              </a:rPr>
-              <a:t>na</a:t>
-            </a:r>
-            <a:r>
-              <a:rPr lang="en-GB" dirty="0">
-                <a:effectLst/>
-                <a:latin typeface="Calibri" panose="020F0502020204030204" pitchFamily="34" charset="0"/>
-                <a:ea typeface="Calibri" panose="020F0502020204030204" pitchFamily="34" charset="0"/>
-                <a:cs typeface="Times New Roman" panose="02020603050405020304" pitchFamily="18" charset="0"/>
-              </a:rPr>
-              <a:t> </a:t>
-            </a:r>
-            <a:r>
-              <a:rPr lang="en-GB" dirty="0" err="1">
-                <a:effectLst/>
-                <a:latin typeface="Calibri" panose="020F0502020204030204" pitchFamily="34" charset="0"/>
-                <a:ea typeface="Calibri" panose="020F0502020204030204" pitchFamily="34" charset="0"/>
-                <a:cs typeface="Times New Roman" panose="02020603050405020304" pitchFamily="18" charset="0"/>
-              </a:rPr>
-              <a:t>računu</a:t>
-            </a:r>
-            <a:r>
-              <a:rPr lang="en-GB" dirty="0">
-                <a:effectLst/>
-                <a:latin typeface="Calibri" panose="020F0502020204030204" pitchFamily="34" charset="0"/>
-                <a:ea typeface="Calibri" panose="020F0502020204030204" pitchFamily="34" charset="0"/>
-                <a:cs typeface="Times New Roman" panose="02020603050405020304" pitchFamily="18" charset="0"/>
-              </a:rPr>
-              <a:t> (</a:t>
-            </a:r>
-            <a:r>
-              <a:rPr lang="en-GB" dirty="0" err="1">
-                <a:effectLst/>
-                <a:latin typeface="Calibri" panose="020F0502020204030204" pitchFamily="34" charset="0"/>
-                <a:ea typeface="Calibri" panose="020F0502020204030204" pitchFamily="34" charset="0"/>
-                <a:cs typeface="Times New Roman" panose="02020603050405020304" pitchFamily="18" charset="0"/>
-              </a:rPr>
-              <a:t>Ukoliko</a:t>
-            </a:r>
-            <a:r>
-              <a:rPr lang="en-GB" dirty="0">
-                <a:effectLst/>
-                <a:latin typeface="Calibri" panose="020F0502020204030204" pitchFamily="34" charset="0"/>
-                <a:ea typeface="Calibri" panose="020F0502020204030204" pitchFamily="34" charset="0"/>
-                <a:cs typeface="Times New Roman" panose="02020603050405020304" pitchFamily="18" charset="0"/>
-              </a:rPr>
-              <a:t> je </a:t>
-            </a:r>
-            <a:r>
-              <a:rPr lang="en-GB" dirty="0" err="1">
-                <a:effectLst/>
-                <a:latin typeface="Calibri" panose="020F0502020204030204" pitchFamily="34" charset="0"/>
-                <a:ea typeface="Calibri" panose="020F0502020204030204" pitchFamily="34" charset="0"/>
-                <a:cs typeface="Times New Roman" panose="02020603050405020304" pitchFamily="18" charset="0"/>
-              </a:rPr>
-              <a:t>odabrao</a:t>
-            </a:r>
-            <a:r>
-              <a:rPr lang="en-GB" dirty="0">
-                <a:effectLst/>
-                <a:latin typeface="Calibri" panose="020F0502020204030204" pitchFamily="34" charset="0"/>
-                <a:ea typeface="Calibri" panose="020F0502020204030204" pitchFamily="34" charset="0"/>
-                <a:cs typeface="Times New Roman" panose="02020603050405020304" pitchFamily="18" charset="0"/>
-              </a:rPr>
-              <a:t> </a:t>
-            </a:r>
-            <a:r>
-              <a:rPr lang="en-GB" dirty="0" err="1">
-                <a:effectLst/>
-                <a:latin typeface="Calibri" panose="020F0502020204030204" pitchFamily="34" charset="0"/>
-                <a:ea typeface="Calibri" panose="020F0502020204030204" pitchFamily="34" charset="0"/>
-                <a:cs typeface="Times New Roman" panose="02020603050405020304" pitchFamily="18" charset="0"/>
-              </a:rPr>
-              <a:t>način</a:t>
-            </a:r>
-            <a:r>
-              <a:rPr lang="en-GB" dirty="0">
-                <a:effectLst/>
-                <a:latin typeface="Calibri" panose="020F0502020204030204" pitchFamily="34" charset="0"/>
-                <a:ea typeface="Calibri" panose="020F0502020204030204" pitchFamily="34" charset="0"/>
-                <a:cs typeface="Times New Roman" panose="02020603050405020304" pitchFamily="18" charset="0"/>
-              </a:rPr>
-              <a:t> </a:t>
-            </a:r>
-            <a:r>
-              <a:rPr lang="en-GB" dirty="0" err="1">
-                <a:effectLst/>
-                <a:latin typeface="Calibri" panose="020F0502020204030204" pitchFamily="34" charset="0"/>
-                <a:ea typeface="Calibri" panose="020F0502020204030204" pitchFamily="34" charset="0"/>
-                <a:cs typeface="Times New Roman" panose="02020603050405020304" pitchFamily="18" charset="0"/>
-              </a:rPr>
-              <a:t>plaćanja</a:t>
-            </a:r>
-            <a:r>
-              <a:rPr lang="en-GB" dirty="0">
-                <a:effectLst/>
-                <a:latin typeface="Calibri" panose="020F0502020204030204" pitchFamily="34" charset="0"/>
-                <a:ea typeface="Calibri" panose="020F0502020204030204" pitchFamily="34" charset="0"/>
-                <a:cs typeface="Times New Roman" panose="02020603050405020304" pitchFamily="18" charset="0"/>
-              </a:rPr>
-              <a:t> </a:t>
-            </a:r>
-            <a:r>
-              <a:rPr lang="en-GB" dirty="0" err="1">
-                <a:effectLst/>
-                <a:latin typeface="Calibri" panose="020F0502020204030204" pitchFamily="34" charset="0"/>
-                <a:ea typeface="Calibri" panose="020F0502020204030204" pitchFamily="34" charset="0"/>
-                <a:cs typeface="Times New Roman" panose="02020603050405020304" pitchFamily="18" charset="0"/>
-              </a:rPr>
-              <a:t>karticom</a:t>
-            </a:r>
-            <a:r>
-              <a:rPr lang="en-GB" dirty="0">
-                <a:effectLst/>
-                <a:latin typeface="Calibri" panose="020F0502020204030204" pitchFamily="34" charset="0"/>
-                <a:ea typeface="Calibri" panose="020F0502020204030204" pitchFamily="34" charset="0"/>
-                <a:cs typeface="Times New Roman" panose="02020603050405020304" pitchFamily="18" charset="0"/>
-              </a:rPr>
-              <a:t>)</a:t>
-            </a:r>
-            <a:endParaRPr lang="en-US" dirty="0">
+              <a:t>kupovine</a:t>
+            </a:r>
+            <a:endParaRPr lang="en-GB" dirty="0" smtClean="0">
               <a:effectLst/>
               <a:latin typeface="Calibri" panose="020F0502020204030204" pitchFamily="34" charset="0"/>
               <a:ea typeface="Calibri" panose="020F0502020204030204" pitchFamily="34" charset="0"/>
@@ -9342,11 +10062,23 @@
             </a:endParaRPr>
           </a:p>
           <a:p>
-            <a:pPr marL="457200" indent="-457200">
-              <a:buFont typeface="+mj-lt"/>
-              <a:buAutoNum type="arabicPeriod"/>
+            <a:pPr marL="914400" lvl="1">
+              <a:lnSpc>
+                <a:spcPct val="107000"/>
+              </a:lnSpc>
+              <a:spcBef>
+                <a:spcPts val="0"/>
+              </a:spcBef>
+              <a:spcAft>
+                <a:spcPts val="800"/>
+              </a:spcAft>
             </a:pPr>
-            <a:endParaRPr lang="en-US" dirty="0"/>
+            <a:endParaRPr lang="en-GB" dirty="0" smtClean="0">
+              <a:effectLst/>
+              <a:latin typeface="Calibri" panose="020F0502020204030204" pitchFamily="34" charset="0"/>
+              <a:ea typeface="Calibri" panose="020F0502020204030204" pitchFamily="34" charset="0"/>
+              <a:cs typeface="Times New Roman" panose="02020603050405020304" pitchFamily="18" charset="0"/>
+            </a:endParaRPr>
           </a:p>
         </p:txBody>
       </p:sp>
@@ -9355,7 +10087,7 @@
           <p:cNvPr id="4" name="Footer Placeholder 3">
             <a:extLst>
               <a:ext uri="{FF2B5EF4-FFF2-40B4-BE49-F238E27FC236}">
-                <a16:creationId xmlns:a16="http://schemas.microsoft.com/office/drawing/2014/main" id="{4F8A8C32-EF99-4BAD-A93B-2E67C307F2D8}"/>
+                <a16:creationId xmlns:a16="http://schemas.microsoft.com/office/drawing/2014/main" xmlns="" id="{4F8A8C32-EF99-4BAD-A93B-2E67C307F2D8}"/>
               </a:ext>
             </a:extLst>
           </p:cNvPr>
@@ -9388,6 +10120,13 @@
   <p:clrMapOvr>
     <a:masterClrMapping/>
   </p:clrMapOvr>
+  <p:timing>
+    <p:tnLst>
+      <p:par>
+        <p:cTn id="1" dur="indefinite" restart="never" nodeType="tmRoot"/>
+      </p:par>
+    </p:tnLst>
+  </p:timing>
 </p:sld>
 </file>
 
@@ -9413,7 +10152,7 @@
           <p:cNvPr id="2" name="Title 1">
             <a:extLst>
               <a:ext uri="{FF2B5EF4-FFF2-40B4-BE49-F238E27FC236}">
-                <a16:creationId xmlns:a16="http://schemas.microsoft.com/office/drawing/2014/main" id="{41EB3741-4B94-433C-BBE5-2CCEFDE6581D}"/>
+                <a16:creationId xmlns:a16="http://schemas.microsoft.com/office/drawing/2014/main" xmlns="" id="{41EB3741-4B94-433C-BBE5-2CCEFDE6581D}"/>
               </a:ext>
             </a:extLst>
           </p:cNvPr>
@@ -9474,7 +10213,7 @@
           <p:cNvPr id="4" name="Footer Placeholder 3">
             <a:extLst>
               <a:ext uri="{FF2B5EF4-FFF2-40B4-BE49-F238E27FC236}">
-                <a16:creationId xmlns:a16="http://schemas.microsoft.com/office/drawing/2014/main" id="{B76A6D08-8649-4D39-B209-7568B3AF8919}"/>
+                <a16:creationId xmlns:a16="http://schemas.microsoft.com/office/drawing/2014/main" xmlns="" id="{B76A6D08-8649-4D39-B209-7568B3AF8919}"/>
               </a:ext>
             </a:extLst>
           </p:cNvPr>
@@ -9491,9 +10230,26 @@
           <a:lstStyle/>
           <a:p>
             <a:r>
-              <a:rPr lang="en-US"/>
-              <a:t>Uvod u softversko inzenjerstvo</a:t>
-            </a:r>
+              <a:rPr lang="en-US" dirty="0" err="1"/>
+              <a:t>Uvod</a:t>
+            </a:r>
+            <a:r>
+              <a:rPr lang="en-US" dirty="0"/>
+              <a:t> u </a:t>
+            </a:r>
+            <a:r>
+              <a:rPr lang="en-US" dirty="0" err="1"/>
+              <a:t>softversko</a:t>
+            </a:r>
+            <a:r>
+              <a:rPr lang="en-US" dirty="0"/>
+              <a:t> </a:t>
+            </a:r>
+            <a:r>
+              <a:rPr lang="en-US" dirty="0" err="1"/>
+              <a:t>inzenjerstvo</a:t>
+            </a:r>
+            <a:endParaRPr lang="en-US" dirty="0"/>
           </a:p>
         </p:txBody>
       </p:sp>
@@ -9502,7 +10258,7 @@
           <p:cNvPr id="5" name="Content Placeholder 4">
             <a:extLst>
               <a:ext uri="{FF2B5EF4-FFF2-40B4-BE49-F238E27FC236}">
-                <a16:creationId xmlns:a16="http://schemas.microsoft.com/office/drawing/2014/main" id="{54775674-E5BD-4A78-A7D5-6C3E27CA56C0}"/>
+                <a16:creationId xmlns:a16="http://schemas.microsoft.com/office/drawing/2014/main" xmlns="" id="{54775674-E5BD-4A78-A7D5-6C3E27CA56C0}"/>
               </a:ext>
             </a:extLst>
           </p:cNvPr>
@@ -9526,8 +10282,8 @@
         </p:blipFill>
         <p:spPr bwMode="auto">
           <a:xfrm>
-            <a:off x="3228599" y="2154577"/>
-            <a:ext cx="5731625" cy="2749453"/>
+            <a:off x="2734823" y="2102943"/>
+            <a:ext cx="6452135" cy="3095081"/>
           </a:xfrm>
           <a:prstGeom prst="rect">
             <a:avLst/>
@@ -9547,7 +10303,7 @@
           <p:cNvPr id="6" name="TextBox 5">
             <a:extLst>
               <a:ext uri="{FF2B5EF4-FFF2-40B4-BE49-F238E27FC236}">
-                <a16:creationId xmlns:a16="http://schemas.microsoft.com/office/drawing/2014/main" id="{B27E978E-5EC5-4EA8-AED0-BABF5A893827}"/>
+                <a16:creationId xmlns:a16="http://schemas.microsoft.com/office/drawing/2014/main" xmlns="" id="{B27E978E-5EC5-4EA8-AED0-BABF5A893827}"/>
               </a:ext>
             </a:extLst>
           </p:cNvPr>
@@ -9616,6 +10372,13 @@
   <p:clrMapOvr>
     <a:masterClrMapping/>
   </p:clrMapOvr>
+  <p:timing>
+    <p:tnLst>
+      <p:par>
+        <p:cTn id="1" dur="indefinite" restart="never" nodeType="tmRoot"/>
+      </p:par>
+    </p:tnLst>
+  </p:timing>
 </p:sld>
 </file>
 
@@ -9641,7 +10404,7 @@
           <p:cNvPr id="2" name="Title 1">
             <a:extLst>
               <a:ext uri="{FF2B5EF4-FFF2-40B4-BE49-F238E27FC236}">
-                <a16:creationId xmlns:a16="http://schemas.microsoft.com/office/drawing/2014/main" id="{BB957064-0EFD-44E7-9518-1E54192B70FA}"/>
+                <a16:creationId xmlns:a16="http://schemas.microsoft.com/office/drawing/2014/main" xmlns="" id="{BB957064-0EFD-44E7-9518-1E54192B70FA}"/>
               </a:ext>
             </a:extLst>
           </p:cNvPr>
@@ -9707,7 +10470,7 @@
           <p:cNvPr id="4" name="Footer Placeholder 3">
             <a:extLst>
               <a:ext uri="{FF2B5EF4-FFF2-40B4-BE49-F238E27FC236}">
-                <a16:creationId xmlns:a16="http://schemas.microsoft.com/office/drawing/2014/main" id="{BC2CAE3D-81AD-4154-95BD-5B27049DD2EB}"/>
+                <a16:creationId xmlns:a16="http://schemas.microsoft.com/office/drawing/2014/main" xmlns="" id="{BC2CAE3D-81AD-4154-95BD-5B27049DD2EB}"/>
               </a:ext>
             </a:extLst>
           </p:cNvPr>
@@ -9735,7 +10498,7 @@
           <p:cNvPr id="10" name="Content Placeholder 9" descr="Graphical user interface, text, application&#10;&#10;Description automatically generated">
             <a:extLst>
               <a:ext uri="{FF2B5EF4-FFF2-40B4-BE49-F238E27FC236}">
-                <a16:creationId xmlns:a16="http://schemas.microsoft.com/office/drawing/2014/main" id="{200E136B-F49F-4AA0-837F-E98523A475FF}"/>
+                <a16:creationId xmlns:a16="http://schemas.microsoft.com/office/drawing/2014/main" xmlns="" id="{200E136B-F49F-4AA0-837F-E98523A475FF}"/>
               </a:ext>
             </a:extLst>
           </p:cNvPr>
@@ -9747,7 +10510,7 @@
           </p:nvPr>
         </p:nvPicPr>
         <p:blipFill>
-          <a:blip r:embed="rId2">
+          <a:blip r:embed="rId2" cstate="print">
             <a:extLst>
               <a:ext uri="{28A0092B-C50C-407E-A947-70E740481C1C}">
                 <a14:useLocalDpi xmlns:a14="http://schemas.microsoft.com/office/drawing/2010/main" val="0"/>
@@ -9770,7 +10533,7 @@
           <p:cNvPr id="11" name="TextBox 10">
             <a:extLst>
               <a:ext uri="{FF2B5EF4-FFF2-40B4-BE49-F238E27FC236}">
-                <a16:creationId xmlns:a16="http://schemas.microsoft.com/office/drawing/2014/main" id="{7BBECFD7-7838-45FF-A88C-CEDDB6E0CE7B}"/>
+                <a16:creationId xmlns:a16="http://schemas.microsoft.com/office/drawing/2014/main" xmlns="" id="{7BBECFD7-7838-45FF-A88C-CEDDB6E0CE7B}"/>
               </a:ext>
             </a:extLst>
           </p:cNvPr>
@@ -9891,6 +10654,13 @@
   <p:clrMapOvr>
     <a:masterClrMapping/>
   </p:clrMapOvr>
+  <p:timing>
+    <p:tnLst>
+      <p:par>
+        <p:cTn id="1" dur="indefinite" restart="never" nodeType="tmRoot"/>
+      </p:par>
+    </p:tnLst>
+  </p:timing>
 </p:sld>
 </file>
 
